--- a/SocketPro for Node.js.pptx
+++ b/SocketPro for Node.js.pptx
@@ -5,37 +5,38 @@
     <p:sldMasterId id="2147483648" r:id="rId1"/>
   </p:sldMasterIdLst>
   <p:notesMasterIdLst>
-    <p:notesMasterId r:id="rId30"/>
+    <p:notesMasterId r:id="rId31"/>
   </p:notesMasterIdLst>
   <p:sldIdLst>
-    <p:sldId id="280" r:id="rId2"/>
-    <p:sldId id="256" r:id="rId3"/>
-    <p:sldId id="289" r:id="rId4"/>
-    <p:sldId id="257" r:id="rId5"/>
-    <p:sldId id="259" r:id="rId6"/>
-    <p:sldId id="261" r:id="rId7"/>
-    <p:sldId id="262" r:id="rId8"/>
-    <p:sldId id="260" r:id="rId9"/>
-    <p:sldId id="264" r:id="rId10"/>
-    <p:sldId id="263" r:id="rId11"/>
-    <p:sldId id="270" r:id="rId12"/>
-    <p:sldId id="265" r:id="rId13"/>
-    <p:sldId id="266" r:id="rId14"/>
-    <p:sldId id="267" r:id="rId15"/>
-    <p:sldId id="272" r:id="rId16"/>
-    <p:sldId id="269" r:id="rId17"/>
-    <p:sldId id="281" r:id="rId18"/>
-    <p:sldId id="268" r:id="rId19"/>
-    <p:sldId id="276" r:id="rId20"/>
-    <p:sldId id="282" r:id="rId21"/>
-    <p:sldId id="288" r:id="rId22"/>
-    <p:sldId id="284" r:id="rId23"/>
-    <p:sldId id="285" r:id="rId24"/>
-    <p:sldId id="290" r:id="rId25"/>
+    <p:sldId id="256" r:id="rId2"/>
+    <p:sldId id="289" r:id="rId3"/>
+    <p:sldId id="257" r:id="rId4"/>
+    <p:sldId id="259" r:id="rId5"/>
+    <p:sldId id="261" r:id="rId6"/>
+    <p:sldId id="262" r:id="rId7"/>
+    <p:sldId id="260" r:id="rId8"/>
+    <p:sldId id="264" r:id="rId9"/>
+    <p:sldId id="263" r:id="rId10"/>
+    <p:sldId id="270" r:id="rId11"/>
+    <p:sldId id="265" r:id="rId12"/>
+    <p:sldId id="266" r:id="rId13"/>
+    <p:sldId id="267" r:id="rId14"/>
+    <p:sldId id="272" r:id="rId15"/>
+    <p:sldId id="269" r:id="rId16"/>
+    <p:sldId id="281" r:id="rId17"/>
+    <p:sldId id="268" r:id="rId18"/>
+    <p:sldId id="276" r:id="rId19"/>
+    <p:sldId id="282" r:id="rId20"/>
+    <p:sldId id="288" r:id="rId21"/>
+    <p:sldId id="284" r:id="rId22"/>
+    <p:sldId id="285" r:id="rId23"/>
+    <p:sldId id="290" r:id="rId24"/>
+    <p:sldId id="291" r:id="rId25"/>
     <p:sldId id="286" r:id="rId26"/>
     <p:sldId id="287" r:id="rId27"/>
-    <p:sldId id="283" r:id="rId28"/>
-    <p:sldId id="278" r:id="rId29"/>
+    <p:sldId id="292" r:id="rId28"/>
+    <p:sldId id="283" r:id="rId29"/>
+    <p:sldId id="278" r:id="rId30"/>
   </p:sldIdLst>
   <p:sldSz cx="9144000" cy="6858000" type="screen4x3"/>
   <p:notesSz cx="6858000" cy="9144000"/>
@@ -236,7 +237,7 @@
             <a:fld id="{9BC56ADA-002F-472C-9EA3-B74CE6ADAE9E}" type="datetimeFigureOut">
               <a:rPr lang="en-US" smtClean="0"/>
               <a:pPr/>
-              <a:t>10/25/2018</a:t>
+              <a:t>10/31/2018</a:t>
             </a:fld>
             <a:endParaRPr lang="en-US"/>
           </a:p>
@@ -504,6 +505,14 @@
 <file path=ppt/notesSlides/notesSlide1.xml><?xml version="1.0" encoding="utf-8"?>
 <p:notes xmlns:a="http://schemas.openxmlformats.org/drawingml/2006/main" xmlns:r="http://schemas.openxmlformats.org/officeDocument/2006/relationships" xmlns:p="http://schemas.openxmlformats.org/presentationml/2006/main">
   <p:cSld>
+    <p:bg>
+      <p:bgPr>
+        <a:solidFill>
+          <a:srgbClr val="FFFFFF"/>
+        </a:solidFill>
+        <a:effectLst/>
+      </p:bgPr>
+    </p:bg>
     <p:spTree>
       <p:nvGrpSpPr>
         <p:cNvPr id="1" name=""/>
@@ -520,65 +529,57 @@
       </p:grpSpPr>
       <p:sp>
         <p:nvSpPr>
-          <p:cNvPr id="2" name="Slide Image Placeholder 1"/>
+          <p:cNvPr id="39938" name="Rectangle 1"/>
           <p:cNvSpPr>
-            <a:spLocks noGrp="1" noRot="1" noChangeAspect="1"/>
+            <a:spLocks noGrp="1" noRot="1" noChangeAspect="1" noChangeArrowheads="1" noTextEdit="1"/>
           </p:cNvSpPr>
           <p:nvPr>
             <p:ph type="sldImg"/>
           </p:nvPr>
         </p:nvSpPr>
-        <p:spPr/>
-      </p:sp>
-      <p:sp>
-        <p:nvSpPr>
-          <p:cNvPr id="3" name="Notes Placeholder 2"/>
+        <p:spPr>
+          <a:xfrm>
+            <a:off x="1143000" y="695325"/>
+            <a:ext cx="4572000" cy="3429000"/>
+          </a:xfrm>
+          <a:solidFill>
+            <a:srgbClr val="FFFFFF"/>
+          </a:solidFill>
+          <a:ln>
+            <a:solidFill>
+              <a:srgbClr val="000000"/>
+            </a:solidFill>
+            <a:miter lim="800000"/>
+          </a:ln>
+        </p:spPr>
+      </p:sp>
+      <p:sp>
+        <p:nvSpPr>
+          <p:cNvPr id="39939" name="Rectangle 2"/>
           <p:cNvSpPr>
-            <a:spLocks noGrp="1"/>
+            <a:spLocks noGrp="1" noChangeArrowheads="1"/>
           </p:cNvSpPr>
           <p:nvPr>
             <p:ph type="body" idx="1"/>
           </p:nvPr>
         </p:nvSpPr>
-        <p:spPr/>
-        <p:txBody>
-          <a:bodyPr/>
+        <p:spPr>
+          <a:xfrm>
+            <a:off x="685800" y="4343400"/>
+            <a:ext cx="5486400" cy="4114800"/>
+          </a:xfrm>
+          <a:noFill/>
+          <a:ln/>
+        </p:spPr>
+        <p:txBody>
+          <a:bodyPr wrap="none" anchor="ctr"/>
           <a:lstStyle/>
           <a:p>
-            <a:endParaRPr lang="en-US" dirty="0"/>
-          </a:p>
-        </p:txBody>
-      </p:sp>
-      <p:sp>
-        <p:nvSpPr>
-          <p:cNvPr id="4" name="Slide Number Placeholder 3"/>
-          <p:cNvSpPr>
-            <a:spLocks noGrp="1"/>
-          </p:cNvSpPr>
-          <p:nvPr>
-            <p:ph type="sldNum" sz="quarter" idx="10"/>
-          </p:nvPr>
-        </p:nvSpPr>
-        <p:spPr/>
-        <p:txBody>
-          <a:bodyPr/>
-          <a:lstStyle/>
-          <a:p>
-            <a:fld id="{D63D2D8A-0BD0-466F-8B0B-199EABDF14BC}" type="slidenum">
-              <a:rPr lang="en-US" smtClean="0"/>
-              <a:pPr/>
-              <a:t>1</a:t>
-            </a:fld>
             <a:endParaRPr lang="en-US"/>
           </a:p>
         </p:txBody>
       </p:sp>
     </p:spTree>
-    <p:extLst>
-      <p:ext uri="{BB962C8B-B14F-4D97-AF65-F5344CB8AC3E}">
-        <p14:creationId xmlns:p14="http://schemas.microsoft.com/office/powerpoint/2010/main" val="933748540"/>
-      </p:ext>
-    </p:extLst>
   </p:cSld>
   <p:clrMapOvr>
     <a:masterClrMapping/>
@@ -613,7 +614,7 @@
       </p:grpSpPr>
       <p:sp>
         <p:nvSpPr>
-          <p:cNvPr id="39938" name="Rectangle 1"/>
+          <p:cNvPr id="40962" name="Rectangle 1"/>
           <p:cNvSpPr>
             <a:spLocks noGrp="1" noRot="1" noChangeAspect="1" noChangeArrowheads="1" noTextEdit="1"/>
           </p:cNvSpPr>
@@ -639,7 +640,7 @@
       </p:sp>
       <p:sp>
         <p:nvSpPr>
-          <p:cNvPr id="39939" name="Rectangle 2"/>
+          <p:cNvPr id="40963" name="Rectangle 2"/>
           <p:cNvSpPr>
             <a:spLocks noGrp="1" noChangeArrowheads="1"/>
           </p:cNvSpPr>
@@ -698,7 +699,7 @@
       </p:grpSpPr>
       <p:sp>
         <p:nvSpPr>
-          <p:cNvPr id="40962" name="Rectangle 1"/>
+          <p:cNvPr id="46082" name="Rectangle 1"/>
           <p:cNvSpPr>
             <a:spLocks noGrp="1" noRot="1" noChangeAspect="1" noChangeArrowheads="1" noTextEdit="1"/>
           </p:cNvSpPr>
@@ -724,7 +725,7 @@
       </p:sp>
       <p:sp>
         <p:nvSpPr>
-          <p:cNvPr id="40963" name="Rectangle 2"/>
+          <p:cNvPr id="46083" name="Rectangle 2"/>
           <p:cNvSpPr>
             <a:spLocks noGrp="1" noChangeArrowheads="1"/>
           </p:cNvSpPr>
@@ -757,91 +758,6 @@
 </file>
 
 <file path=ppt/notesSlides/notesSlide4.xml><?xml version="1.0" encoding="utf-8"?>
-<p:notes xmlns:a="http://schemas.openxmlformats.org/drawingml/2006/main" xmlns:r="http://schemas.openxmlformats.org/officeDocument/2006/relationships" xmlns:p="http://schemas.openxmlformats.org/presentationml/2006/main">
-  <p:cSld>
-    <p:bg>
-      <p:bgPr>
-        <a:solidFill>
-          <a:srgbClr val="FFFFFF"/>
-        </a:solidFill>
-        <a:effectLst/>
-      </p:bgPr>
-    </p:bg>
-    <p:spTree>
-      <p:nvGrpSpPr>
-        <p:cNvPr id="1" name=""/>
-        <p:cNvGrpSpPr/>
-        <p:nvPr/>
-      </p:nvGrpSpPr>
-      <p:grpSpPr>
-        <a:xfrm>
-          <a:off x="0" y="0"/>
-          <a:ext cx="0" cy="0"/>
-          <a:chOff x="0" y="0"/>
-          <a:chExt cx="0" cy="0"/>
-        </a:xfrm>
-      </p:grpSpPr>
-      <p:sp>
-        <p:nvSpPr>
-          <p:cNvPr id="46082" name="Rectangle 1"/>
-          <p:cNvSpPr>
-            <a:spLocks noGrp="1" noRot="1" noChangeAspect="1" noChangeArrowheads="1" noTextEdit="1"/>
-          </p:cNvSpPr>
-          <p:nvPr>
-            <p:ph type="sldImg"/>
-          </p:nvPr>
-        </p:nvSpPr>
-        <p:spPr>
-          <a:xfrm>
-            <a:off x="1143000" y="695325"/>
-            <a:ext cx="4572000" cy="3429000"/>
-          </a:xfrm>
-          <a:solidFill>
-            <a:srgbClr val="FFFFFF"/>
-          </a:solidFill>
-          <a:ln>
-            <a:solidFill>
-              <a:srgbClr val="000000"/>
-            </a:solidFill>
-            <a:miter lim="800000"/>
-          </a:ln>
-        </p:spPr>
-      </p:sp>
-      <p:sp>
-        <p:nvSpPr>
-          <p:cNvPr id="46083" name="Rectangle 2"/>
-          <p:cNvSpPr>
-            <a:spLocks noGrp="1" noChangeArrowheads="1"/>
-          </p:cNvSpPr>
-          <p:nvPr>
-            <p:ph type="body" idx="1"/>
-          </p:nvPr>
-        </p:nvSpPr>
-        <p:spPr>
-          <a:xfrm>
-            <a:off x="685800" y="4343400"/>
-            <a:ext cx="5486400" cy="4114800"/>
-          </a:xfrm>
-          <a:noFill/>
-          <a:ln/>
-        </p:spPr>
-        <p:txBody>
-          <a:bodyPr wrap="none" anchor="ctr"/>
-          <a:lstStyle/>
-          <a:p>
-            <a:endParaRPr lang="en-US"/>
-          </a:p>
-        </p:txBody>
-      </p:sp>
-    </p:spTree>
-  </p:cSld>
-  <p:clrMapOvr>
-    <a:masterClrMapping/>
-  </p:clrMapOvr>
-</p:notes>
-</file>
-
-<file path=ppt/notesSlides/notesSlide5.xml><?xml version="1.0" encoding="utf-8"?>
 <p:notes xmlns:a="http://schemas.openxmlformats.org/drawingml/2006/main" xmlns:r="http://schemas.openxmlformats.org/officeDocument/2006/relationships" xmlns:p="http://schemas.openxmlformats.org/presentationml/2006/main">
   <p:cSld>
     <p:bg>
@@ -1106,7 +1022,7 @@
             <a:fld id="{D2B0725E-F383-4DF3-9A54-987712E05A1E}" type="datetimeFigureOut">
               <a:rPr lang="en-US" smtClean="0"/>
               <a:pPr/>
-              <a:t>10/25/2018</a:t>
+              <a:t>10/31/2018</a:t>
             </a:fld>
             <a:endParaRPr lang="en-US"/>
           </a:p>
@@ -1271,7 +1187,7 @@
             <a:fld id="{D2B0725E-F383-4DF3-9A54-987712E05A1E}" type="datetimeFigureOut">
               <a:rPr lang="en-US" smtClean="0"/>
               <a:pPr/>
-              <a:t>10/25/2018</a:t>
+              <a:t>10/31/2018</a:t>
             </a:fld>
             <a:endParaRPr lang="en-US"/>
           </a:p>
@@ -1446,7 +1362,7 @@
             <a:fld id="{D2B0725E-F383-4DF3-9A54-987712E05A1E}" type="datetimeFigureOut">
               <a:rPr lang="en-US" smtClean="0"/>
               <a:pPr/>
-              <a:t>10/25/2018</a:t>
+              <a:t>10/31/2018</a:t>
             </a:fld>
             <a:endParaRPr lang="en-US"/>
           </a:p>
@@ -1611,7 +1527,7 @@
             <a:fld id="{D2B0725E-F383-4DF3-9A54-987712E05A1E}" type="datetimeFigureOut">
               <a:rPr lang="en-US" smtClean="0"/>
               <a:pPr/>
-              <a:t>10/25/2018</a:t>
+              <a:t>10/31/2018</a:t>
             </a:fld>
             <a:endParaRPr lang="en-US"/>
           </a:p>
@@ -1853,7 +1769,7 @@
             <a:fld id="{D2B0725E-F383-4DF3-9A54-987712E05A1E}" type="datetimeFigureOut">
               <a:rPr lang="en-US" smtClean="0"/>
               <a:pPr/>
-              <a:t>10/25/2018</a:t>
+              <a:t>10/31/2018</a:t>
             </a:fld>
             <a:endParaRPr lang="en-US"/>
           </a:p>
@@ -2135,7 +2051,7 @@
             <a:fld id="{D2B0725E-F383-4DF3-9A54-987712E05A1E}" type="datetimeFigureOut">
               <a:rPr lang="en-US" smtClean="0"/>
               <a:pPr/>
-              <a:t>10/25/2018</a:t>
+              <a:t>10/31/2018</a:t>
             </a:fld>
             <a:endParaRPr lang="en-US"/>
           </a:p>
@@ -2551,7 +2467,7 @@
             <a:fld id="{D2B0725E-F383-4DF3-9A54-987712E05A1E}" type="datetimeFigureOut">
               <a:rPr lang="en-US" smtClean="0"/>
               <a:pPr/>
-              <a:t>10/25/2018</a:t>
+              <a:t>10/31/2018</a:t>
             </a:fld>
             <a:endParaRPr lang="en-US"/>
           </a:p>
@@ -2665,7 +2581,7 @@
             <a:fld id="{D2B0725E-F383-4DF3-9A54-987712E05A1E}" type="datetimeFigureOut">
               <a:rPr lang="en-US" smtClean="0"/>
               <a:pPr/>
-              <a:t>10/25/2018</a:t>
+              <a:t>10/31/2018</a:t>
             </a:fld>
             <a:endParaRPr lang="en-US"/>
           </a:p>
@@ -2757,7 +2673,7 @@
             <a:fld id="{D2B0725E-F383-4DF3-9A54-987712E05A1E}" type="datetimeFigureOut">
               <a:rPr lang="en-US" smtClean="0"/>
               <a:pPr/>
-              <a:t>10/25/2018</a:t>
+              <a:t>10/31/2018</a:t>
             </a:fld>
             <a:endParaRPr lang="en-US"/>
           </a:p>
@@ -3029,7 +2945,7 @@
             <a:fld id="{D2B0725E-F383-4DF3-9A54-987712E05A1E}" type="datetimeFigureOut">
               <a:rPr lang="en-US" smtClean="0"/>
               <a:pPr/>
-              <a:t>10/25/2018</a:t>
+              <a:t>10/31/2018</a:t>
             </a:fld>
             <a:endParaRPr lang="en-US"/>
           </a:p>
@@ -3278,7 +3194,7 @@
             <a:fld id="{D2B0725E-F383-4DF3-9A54-987712E05A1E}" type="datetimeFigureOut">
               <a:rPr lang="en-US" smtClean="0"/>
               <a:pPr/>
-              <a:t>10/25/2018</a:t>
+              <a:t>10/31/2018</a:t>
             </a:fld>
             <a:endParaRPr lang="en-US"/>
           </a:p>
@@ -3486,7 +3402,7 @@
             <a:fld id="{D2B0725E-F383-4DF3-9A54-987712E05A1E}" type="datetimeFigureOut">
               <a:rPr lang="en-US" smtClean="0"/>
               <a:pPr/>
-              <a:t>10/25/2018</a:t>
+              <a:t>10/31/2018</a:t>
             </a:fld>
             <a:endParaRPr lang="en-US"/>
           </a:p>
@@ -3859,251 +3775,104 @@
       </p:grpSpPr>
       <p:sp>
         <p:nvSpPr>
-          <p:cNvPr id="2" name="Title 1">
-            <a:extLst>
-              <a:ext uri="{FF2B5EF4-FFF2-40B4-BE49-F238E27FC236}">
-                <a16:creationId xmlns:a16="http://schemas.microsoft.com/office/drawing/2014/main" id="{1938DA3F-BBCE-4B23-A93F-CB2459EFC8F9}"/>
-              </a:ext>
-            </a:extLst>
-          </p:cNvPr>
+          <p:cNvPr id="2" name="Title 1"/>
           <p:cNvSpPr>
             <a:spLocks noGrp="1"/>
           </p:cNvSpPr>
           <p:nvPr>
-            <p:ph type="title"/>
+            <p:ph type="ctrTitle"/>
           </p:nvPr>
         </p:nvSpPr>
-        <p:spPr/>
-        <p:txBody>
-          <a:bodyPr/>
+        <p:spPr>
+          <a:xfrm>
+            <a:off x="762000" y="762000"/>
+            <a:ext cx="7772400" cy="2152650"/>
+          </a:xfrm>
+        </p:spPr>
+        <p:txBody>
+          <a:bodyPr>
+            <a:normAutofit/>
+          </a:bodyPr>
           <a:lstStyle/>
           <a:p>
             <a:r>
-              <a:rPr lang="en-US" dirty="0"/>
-              <a:t>Prepare for </a:t>
-            </a:r>
-            <a:r>
-              <a:rPr lang="en-US" dirty="0" err="1"/>
-              <a:t>Node.js+MySQL</a:t>
-            </a:r>
-            <a:r>
-              <a:rPr lang="en-US" dirty="0"/>
-              <a:t> Demos</a:t>
-            </a:r>
-          </a:p>
-        </p:txBody>
-      </p:sp>
-      <p:sp>
-        <p:nvSpPr>
-          <p:cNvPr id="3" name="Content Placeholder 2">
-            <a:extLst>
-              <a:ext uri="{FF2B5EF4-FFF2-40B4-BE49-F238E27FC236}">
-                <a16:creationId xmlns:a16="http://schemas.microsoft.com/office/drawing/2014/main" id="{7796BB22-CEE4-42AE-844B-C575674D341D}"/>
-              </a:ext>
-            </a:extLst>
-          </p:cNvPr>
+              <a:rPr lang="en-US" b="1" dirty="0"/>
+              <a:t>Brief Introduction of </a:t>
+            </a:r>
+            <a:r>
+              <a:rPr lang="en-US" b="1" dirty="0" err="1"/>
+              <a:t>SocketPro</a:t>
+            </a:r>
+            <a:r>
+              <a:rPr lang="en-US" b="1" dirty="0"/>
+              <a:t> Asynchronous Communication Framework for WAN</a:t>
+            </a:r>
+          </a:p>
+        </p:txBody>
+      </p:sp>
+      <p:sp>
+        <p:nvSpPr>
+          <p:cNvPr id="3" name="Subtitle 2"/>
           <p:cNvSpPr>
             <a:spLocks noGrp="1"/>
           </p:cNvSpPr>
           <p:nvPr>
-            <p:ph idx="1"/>
+            <p:ph type="subTitle" idx="1"/>
           </p:nvPr>
         </p:nvSpPr>
-        <p:spPr/>
+        <p:spPr>
+          <a:xfrm>
+            <a:off x="1066800" y="3048000"/>
+            <a:ext cx="7086600" cy="1600200"/>
+          </a:xfrm>
+        </p:spPr>
         <p:txBody>
           <a:bodyPr>
-            <a:normAutofit fontScale="85000" lnSpcReduction="20000"/>
+            <a:normAutofit/>
           </a:bodyPr>
           <a:lstStyle/>
           <a:p>
             <a:r>
-              <a:rPr lang="en-US" dirty="0">
-                <a:hlinkClick r:id="rId3"/>
-              </a:rPr>
-              <a:t>https://github.com/udaparts/socketpro</a:t>
-            </a:r>
-            <a:endParaRPr lang="en-US" dirty="0"/>
-          </a:p>
-          <a:p>
-            <a:r>
-              <a:rPr lang="en-US" dirty="0"/>
-              <a:t>Copy libraries to a system directory</a:t>
-            </a:r>
-          </a:p>
-          <a:p>
-            <a:r>
-              <a:rPr lang="en-US" dirty="0">
-                <a:hlinkClick r:id="rId4"/>
-              </a:rPr>
-              <a:t>https://www.codeproject.com/Articles/1207129/Brief-Introduction-of-a-Continuous-SQL-stream-Se</a:t>
-            </a:r>
-            <a:r>
-              <a:rPr lang="en-US" dirty="0"/>
-              <a:t> </a:t>
-            </a:r>
-            <a:r>
-              <a:rPr lang="en-US" i="1" u="sng" dirty="0"/>
-              <a:t>(smysql.dll/libsmysql.so + INSTALL PLUGIN </a:t>
-            </a:r>
-            <a:r>
-              <a:rPr lang="en-US" i="1" u="sng" dirty="0" err="1"/>
-              <a:t>UDAParts_SQL_Streaming</a:t>
-            </a:r>
-            <a:r>
-              <a:rPr lang="en-US" i="1" u="sng" dirty="0"/>
-              <a:t> SONAME ‘libsmysql.so’)</a:t>
-            </a:r>
-          </a:p>
-          <a:p>
-            <a:r>
-              <a:rPr lang="en-US" dirty="0" err="1"/>
-              <a:t>njadapter.node</a:t>
-            </a:r>
-            <a:r>
-              <a:rPr lang="en-US" dirty="0"/>
-              <a:t> + nja.js (../</a:t>
-            </a:r>
-            <a:r>
-              <a:rPr lang="en-US" dirty="0" err="1"/>
-              <a:t>socketpro</a:t>
-            </a:r>
-            <a:r>
-              <a:rPr lang="en-US" dirty="0"/>
-              <a:t>/bin/</a:t>
-            </a:r>
-            <a:r>
-              <a:rPr lang="en-US" dirty="0" err="1"/>
-              <a:t>js</a:t>
-            </a:r>
-            <a:r>
-              <a:rPr lang="en-US" dirty="0"/>
-              <a:t>)</a:t>
-            </a:r>
-          </a:p>
-          <a:p>
-            <a:r>
-              <a:rPr lang="en-US" dirty="0"/>
-              <a:t>Samples at (../</a:t>
-            </a:r>
-            <a:r>
-              <a:rPr lang="en-US" dirty="0" err="1"/>
-              <a:t>socketpro</a:t>
-            </a:r>
-            <a:r>
-              <a:rPr lang="en-US" dirty="0"/>
-              <a:t>/</a:t>
-            </a:r>
-            <a:r>
-              <a:rPr lang="en-US" dirty="0" err="1"/>
-              <a:t>src</a:t>
-            </a:r>
-            <a:r>
-              <a:rPr lang="en-US" dirty="0"/>
-              <a:t>/</a:t>
-            </a:r>
-            <a:r>
-              <a:rPr lang="en-US" dirty="0" err="1"/>
-              <a:t>njadapter</a:t>
-            </a:r>
-            <a:r>
-              <a:rPr lang="en-US" dirty="0"/>
-              <a:t>)</a:t>
-            </a:r>
-          </a:p>
-          <a:p>
-            <a:r>
-              <a:rPr lang="en-US" sz="2800" dirty="0"/>
-              <a:t>Performance study samples </a:t>
-            </a:r>
-            <a:r>
-              <a:rPr lang="en-US" sz="1600" dirty="0"/>
-              <a:t>(../</a:t>
-            </a:r>
-            <a:r>
-              <a:rPr lang="en-US" sz="1600" dirty="0" err="1"/>
-              <a:t>socketpro</a:t>
-            </a:r>
-            <a:r>
-              <a:rPr lang="en-US" sz="1600" dirty="0"/>
-              <a:t>/</a:t>
-            </a:r>
-            <a:r>
-              <a:rPr lang="en-US" sz="1600" dirty="0" err="1"/>
-              <a:t>src</a:t>
-            </a:r>
-            <a:r>
-              <a:rPr lang="en-US" sz="1600" dirty="0"/>
-              <a:t>/</a:t>
-            </a:r>
-            <a:r>
-              <a:rPr lang="en-US" sz="1600" dirty="0" err="1"/>
-              <a:t>njadapter</a:t>
-            </a:r>
-            <a:r>
-              <a:rPr lang="en-US" sz="1600" dirty="0"/>
-              <a:t>/</a:t>
-            </a:r>
-            <a:r>
-              <a:rPr lang="en-US" sz="1600" dirty="0" err="1"/>
-              <a:t>perf_study</a:t>
-            </a:r>
-            <a:r>
-              <a:rPr lang="en-US" sz="1600" dirty="0"/>
-              <a:t>)</a:t>
-            </a:r>
-          </a:p>
-          <a:p>
-            <a:r>
-              <a:rPr lang="en-US" sz="3300" dirty="0" err="1"/>
-              <a:t>all_servers</a:t>
-            </a:r>
-            <a:r>
-              <a:rPr lang="en-US" sz="3300" dirty="0"/>
-              <a:t> </a:t>
-            </a:r>
-            <a:r>
-              <a:rPr lang="en-US" sz="2100" dirty="0"/>
-              <a:t>(../</a:t>
-            </a:r>
-            <a:r>
-              <a:rPr lang="en-US" sz="2100" dirty="0" err="1"/>
-              <a:t>socketpro</a:t>
-            </a:r>
-            <a:r>
-              <a:rPr lang="en-US" sz="2100" dirty="0"/>
-              <a:t>/tutorials/(</a:t>
-            </a:r>
-            <a:r>
-              <a:rPr lang="en-US" sz="2100" dirty="0" err="1"/>
-              <a:t>csharp|java|cpluplus</a:t>
-            </a:r>
-            <a:r>
-              <a:rPr lang="en-US" sz="2100" dirty="0"/>
-              <a:t>)/</a:t>
-            </a:r>
-            <a:r>
-              <a:rPr lang="en-US" sz="2100" dirty="0" err="1"/>
-              <a:t>all_servers</a:t>
-            </a:r>
-            <a:endParaRPr lang="en-US" sz="2100" dirty="0"/>
-          </a:p>
-          <a:p>
-            <a:r>
-              <a:rPr lang="en-US" b="1" dirty="0"/>
-              <a:t>Help ???</a:t>
-            </a:r>
-          </a:p>
-          <a:p>
-            <a:endParaRPr lang="en-US" dirty="0"/>
+              <a:rPr lang="en-US" dirty="0"/>
+              <a:t>Request Streaming Sending and Processing for the Best Network Efficiency and Throughput</a:t>
+            </a:r>
+          </a:p>
+        </p:txBody>
+      </p:sp>
+      <p:sp>
+        <p:nvSpPr>
+          <p:cNvPr id="4" name="TextBox 3"/>
+          <p:cNvSpPr txBox="1"/>
+          <p:nvPr/>
+        </p:nvSpPr>
+        <p:spPr>
+          <a:xfrm>
+            <a:off x="3276600" y="5181600"/>
+            <a:ext cx="2619307" cy="461665"/>
+          </a:xfrm>
+          <a:prstGeom prst="rect">
+            <a:avLst/>
+          </a:prstGeom>
+          <a:noFill/>
+        </p:spPr>
+        <p:txBody>
+          <a:bodyPr wrap="none" rtlCol="0">
+            <a:spAutoFit/>
+          </a:bodyPr>
+          <a:lstStyle/>
+          <a:p>
+            <a:r>
+              <a:rPr lang="en-US" sz="2400" dirty="0" err="1"/>
+              <a:t>Yuancai</a:t>
+            </a:r>
+            <a:r>
+              <a:rPr lang="en-US" sz="2400" dirty="0"/>
+              <a:t> (Charlie) Ye</a:t>
+            </a:r>
           </a:p>
         </p:txBody>
       </p:sp>
     </p:spTree>
-    <p:extLst>
-      <p:ext uri="{BB962C8B-B14F-4D97-AF65-F5344CB8AC3E}">
-        <p14:creationId xmlns:p14="http://schemas.microsoft.com/office/powerpoint/2010/main" val="436629983"/>
-      </p:ext>
-    </p:extLst>
   </p:cSld>
   <p:clrMapOvr>
     <a:masterClrMapping/>
@@ -4112,377 +3881,6 @@
 </file>
 
 <file path=ppt/slides/slide10.xml><?xml version="1.0" encoding="utf-8"?>
-<p:sld xmlns:a="http://schemas.openxmlformats.org/drawingml/2006/main" xmlns:r="http://schemas.openxmlformats.org/officeDocument/2006/relationships" xmlns:p="http://schemas.openxmlformats.org/presentationml/2006/main">
-  <p:cSld>
-    <p:spTree>
-      <p:nvGrpSpPr>
-        <p:cNvPr id="1" name=""/>
-        <p:cNvGrpSpPr/>
-        <p:nvPr/>
-      </p:nvGrpSpPr>
-      <p:grpSpPr>
-        <a:xfrm>
-          <a:off x="0" y="0"/>
-          <a:ext cx="0" cy="0"/>
-          <a:chOff x="0" y="0"/>
-          <a:chExt cx="0" cy="0"/>
-        </a:xfrm>
-      </p:grpSpPr>
-      <p:sp>
-        <p:nvSpPr>
-          <p:cNvPr id="13314" name="Rectangle 1"/>
-          <p:cNvSpPr>
-            <a:spLocks noGrp="1" noChangeArrowheads="1"/>
-          </p:cNvSpPr>
-          <p:nvPr>
-            <p:ph type="title"/>
-          </p:nvPr>
-        </p:nvSpPr>
-        <p:spPr>
-          <a:xfrm>
-            <a:off x="457200" y="371475"/>
-            <a:ext cx="8229600" cy="1312863"/>
-          </a:xfrm>
-        </p:spPr>
-        <p:txBody>
-          <a:bodyPr/>
-          <a:lstStyle/>
-          <a:p>
-            <a:pPr eaLnBrk="1" hangingPunct="1">
-              <a:buClrTx/>
-              <a:buFontTx/>
-              <a:buNone/>
-              <a:tabLst>
-                <a:tab pos="0" algn="l"/>
-                <a:tab pos="914400" algn="l"/>
-                <a:tab pos="1828800" algn="l"/>
-                <a:tab pos="2743200" algn="l"/>
-                <a:tab pos="3657600" algn="l"/>
-                <a:tab pos="4572000" algn="l"/>
-                <a:tab pos="5486400" algn="l"/>
-                <a:tab pos="6400800" algn="l"/>
-                <a:tab pos="7315200" algn="l"/>
-                <a:tab pos="8229600" algn="l"/>
-                <a:tab pos="9144000" algn="l"/>
-                <a:tab pos="10058400" algn="l"/>
-              </a:tabLst>
-            </a:pPr>
-            <a:r>
-              <a:rPr lang="en-US" sz="4000" b="1" dirty="0" err="1"/>
-              <a:t>SocketPro</a:t>
-            </a:r>
-            <a:r>
-              <a:rPr lang="en-US" sz="4000" b="1" dirty="0"/>
-              <a:t> Adapters for More Developers</a:t>
-            </a:r>
-          </a:p>
-        </p:txBody>
-      </p:sp>
-      <p:sp>
-        <p:nvSpPr>
-          <p:cNvPr id="13315" name="Rectangle 2"/>
-          <p:cNvSpPr>
-            <a:spLocks noGrp="1" noChangeArrowheads="1"/>
-          </p:cNvSpPr>
-          <p:nvPr>
-            <p:ph type="body" idx="1"/>
-          </p:nvPr>
-        </p:nvSpPr>
-        <p:spPr>
-          <a:xfrm>
-            <a:off x="1143000" y="1881051"/>
-            <a:ext cx="7086600" cy="3681549"/>
-          </a:xfrm>
-        </p:spPr>
-        <p:txBody>
-          <a:bodyPr>
-            <a:normAutofit/>
-          </a:bodyPr>
-          <a:lstStyle/>
-          <a:p>
-            <a:pPr marL="341313" indent="-341313" eaLnBrk="1" hangingPunct="1">
-              <a:spcBef>
-                <a:spcPts val="600"/>
-              </a:spcBef>
-              <a:buClr>
-                <a:srgbClr val="000099"/>
-              </a:buClr>
-              <a:buFont typeface="Arial" charset="0"/>
-              <a:buChar char="•"/>
-              <a:tabLst>
-                <a:tab pos="911225" algn="l"/>
-                <a:tab pos="1825625" algn="l"/>
-                <a:tab pos="2740025" algn="l"/>
-                <a:tab pos="3654425" algn="l"/>
-                <a:tab pos="4568825" algn="l"/>
-                <a:tab pos="5483225" algn="l"/>
-                <a:tab pos="6397625" algn="l"/>
-                <a:tab pos="7312025" algn="l"/>
-                <a:tab pos="8226425" algn="l"/>
-                <a:tab pos="9140825" algn="l"/>
-                <a:tab pos="10055225" algn="l"/>
-              </a:tabLst>
-            </a:pPr>
-            <a:r>
-              <a:rPr lang="en-US" sz="2800" dirty="0">
-                <a:solidFill>
-                  <a:srgbClr val="000099"/>
-                </a:solidFill>
-              </a:rPr>
-              <a:t>C++ adapters – a few header and </a:t>
-            </a:r>
-            <a:r>
-              <a:rPr lang="en-US" sz="2800" dirty="0" err="1">
-                <a:solidFill>
-                  <a:srgbClr val="000099"/>
-                </a:solidFill>
-              </a:rPr>
-              <a:t>cpp</a:t>
-            </a:r>
-            <a:r>
-              <a:rPr lang="en-US" sz="2800" dirty="0">
-                <a:solidFill>
-                  <a:srgbClr val="000099"/>
-                </a:solidFill>
-              </a:rPr>
-              <a:t> files</a:t>
-            </a:r>
-          </a:p>
-          <a:p>
-            <a:pPr marL="341313" indent="-341313" eaLnBrk="1" hangingPunct="1">
-              <a:spcBef>
-                <a:spcPts val="600"/>
-              </a:spcBef>
-              <a:buClr>
-                <a:srgbClr val="000099"/>
-              </a:buClr>
-              <a:buFont typeface="Arial" charset="0"/>
-              <a:buChar char="•"/>
-              <a:tabLst>
-                <a:tab pos="911225" algn="l"/>
-                <a:tab pos="1825625" algn="l"/>
-                <a:tab pos="2740025" algn="l"/>
-                <a:tab pos="3654425" algn="l"/>
-                <a:tab pos="4568825" algn="l"/>
-                <a:tab pos="5483225" algn="l"/>
-                <a:tab pos="6397625" algn="l"/>
-                <a:tab pos="7312025" algn="l"/>
-                <a:tab pos="8226425" algn="l"/>
-                <a:tab pos="9140825" algn="l"/>
-                <a:tab pos="10055225" algn="l"/>
-              </a:tabLst>
-            </a:pPr>
-            <a:r>
-              <a:rPr lang="en-US" sz="2800" dirty="0">
-                <a:solidFill>
-                  <a:srgbClr val="000099"/>
-                </a:solidFill>
-              </a:rPr>
-              <a:t>One .NET adapter</a:t>
-            </a:r>
-          </a:p>
-          <a:p>
-            <a:pPr marL="341313" indent="-341313" eaLnBrk="1" hangingPunct="1">
-              <a:spcBef>
-                <a:spcPts val="600"/>
-              </a:spcBef>
-              <a:buClr>
-                <a:srgbClr val="000099"/>
-              </a:buClr>
-              <a:buFont typeface="Arial" charset="0"/>
-              <a:buChar char="•"/>
-              <a:tabLst>
-                <a:tab pos="911225" algn="l"/>
-                <a:tab pos="1825625" algn="l"/>
-                <a:tab pos="2740025" algn="l"/>
-                <a:tab pos="3654425" algn="l"/>
-                <a:tab pos="4568825" algn="l"/>
-                <a:tab pos="5483225" algn="l"/>
-                <a:tab pos="6397625" algn="l"/>
-                <a:tab pos="7312025" algn="l"/>
-                <a:tab pos="8226425" algn="l"/>
-                <a:tab pos="9140825" algn="l"/>
-                <a:tab pos="10055225" algn="l"/>
-              </a:tabLst>
-            </a:pPr>
-            <a:r>
-              <a:rPr lang="en-US" sz="2800" dirty="0">
-                <a:solidFill>
-                  <a:srgbClr val="000099"/>
-                </a:solidFill>
-              </a:rPr>
-              <a:t>Java adapter</a:t>
-            </a:r>
-          </a:p>
-          <a:p>
-            <a:pPr marL="341313" indent="-341313" eaLnBrk="1" hangingPunct="1">
-              <a:spcBef>
-                <a:spcPts val="600"/>
-              </a:spcBef>
-              <a:buClr>
-                <a:srgbClr val="000099"/>
-              </a:buClr>
-              <a:buFont typeface="Arial" charset="0"/>
-              <a:buChar char="•"/>
-              <a:tabLst>
-                <a:tab pos="911225" algn="l"/>
-                <a:tab pos="1825625" algn="l"/>
-                <a:tab pos="2740025" algn="l"/>
-                <a:tab pos="3654425" algn="l"/>
-                <a:tab pos="4568825" algn="l"/>
-                <a:tab pos="5483225" algn="l"/>
-                <a:tab pos="6397625" algn="l"/>
-                <a:tab pos="7312025" algn="l"/>
-                <a:tab pos="8226425" algn="l"/>
-                <a:tab pos="9140825" algn="l"/>
-                <a:tab pos="10055225" algn="l"/>
-              </a:tabLst>
-            </a:pPr>
-            <a:r>
-              <a:rPr lang="en-US" sz="2800" dirty="0">
-                <a:solidFill>
-                  <a:srgbClr val="000099"/>
-                </a:solidFill>
-              </a:rPr>
-              <a:t>Python adapter</a:t>
-            </a:r>
-          </a:p>
-          <a:p>
-            <a:pPr marL="341313" indent="-341313">
-              <a:spcBef>
-                <a:spcPts val="600"/>
-              </a:spcBef>
-              <a:buClr>
-                <a:srgbClr val="000099"/>
-              </a:buClr>
-              <a:buFont typeface="Arial" charset="0"/>
-              <a:buChar char="•"/>
-              <a:tabLst>
-                <a:tab pos="911225" algn="l"/>
-                <a:tab pos="1825625" algn="l"/>
-                <a:tab pos="2740025" algn="l"/>
-                <a:tab pos="3654425" algn="l"/>
-                <a:tab pos="4568825" algn="l"/>
-                <a:tab pos="5483225" algn="l"/>
-                <a:tab pos="6397625" algn="l"/>
-                <a:tab pos="7312025" algn="l"/>
-                <a:tab pos="8226425" algn="l"/>
-                <a:tab pos="9140825" algn="l"/>
-                <a:tab pos="10055225" algn="l"/>
-              </a:tabLst>
-            </a:pPr>
-            <a:r>
-              <a:rPr lang="en-US" sz="2800" dirty="0">
-                <a:solidFill>
-                  <a:srgbClr val="0000FF"/>
-                </a:solidFill>
-              </a:rPr>
-              <a:t>Node.js adapter</a:t>
-            </a:r>
-          </a:p>
-          <a:p>
-            <a:pPr marL="341313" indent="-341313" eaLnBrk="1" hangingPunct="1">
-              <a:spcBef>
-                <a:spcPts val="600"/>
-              </a:spcBef>
-              <a:buClr>
-                <a:srgbClr val="000099"/>
-              </a:buClr>
-              <a:buFont typeface="Arial" charset="0"/>
-              <a:buChar char="•"/>
-              <a:tabLst>
-                <a:tab pos="911225" algn="l"/>
-                <a:tab pos="1825625" algn="l"/>
-                <a:tab pos="2740025" algn="l"/>
-                <a:tab pos="3654425" algn="l"/>
-                <a:tab pos="4568825" algn="l"/>
-                <a:tab pos="5483225" algn="l"/>
-                <a:tab pos="6397625" algn="l"/>
-                <a:tab pos="7312025" algn="l"/>
-                <a:tab pos="8226425" algn="l"/>
-                <a:tab pos="9140825" algn="l"/>
-                <a:tab pos="10055225" algn="l"/>
-              </a:tabLst>
-            </a:pPr>
-            <a:r>
-              <a:rPr lang="en-US" sz="2800" dirty="0">
-                <a:solidFill>
-                  <a:srgbClr val="000099"/>
-                </a:solidFill>
-              </a:rPr>
-              <a:t>One JavaScript adapter for browsers</a:t>
-            </a:r>
-            <a:endParaRPr lang="en-US" sz="2800" dirty="0">
-              <a:solidFill>
-                <a:schemeClr val="accent2"/>
-              </a:solidFill>
-            </a:endParaRPr>
-          </a:p>
-          <a:p>
-            <a:pPr marL="341313" indent="-341313" eaLnBrk="1" hangingPunct="1">
-              <a:spcBef>
-                <a:spcPts val="600"/>
-              </a:spcBef>
-              <a:buFont typeface="Arial" charset="0"/>
-              <a:buChar char="•"/>
-              <a:tabLst>
-                <a:tab pos="911225" algn="l"/>
-                <a:tab pos="1825625" algn="l"/>
-                <a:tab pos="2740025" algn="l"/>
-                <a:tab pos="3654425" algn="l"/>
-                <a:tab pos="4568825" algn="l"/>
-                <a:tab pos="5483225" algn="l"/>
-                <a:tab pos="6397625" algn="l"/>
-                <a:tab pos="7312025" algn="l"/>
-                <a:tab pos="8226425" algn="l"/>
-                <a:tab pos="9140825" algn="l"/>
-                <a:tab pos="10055225" algn="l"/>
-              </a:tabLst>
-            </a:pPr>
-            <a:r>
-              <a:rPr lang="en-US" sz="2800" dirty="0"/>
-              <a:t>PHP adapter in the future</a:t>
-            </a:r>
-          </a:p>
-        </p:txBody>
-      </p:sp>
-    </p:spTree>
-  </p:cSld>
-  <p:clrMapOvr>
-    <a:masterClrMapping/>
-  </p:clrMapOvr>
-  <p:transition spd="med"/>
-  <p:timing>
-    <p:tnLst>
-      <p:par>
-        <p:cTn id="1" dur="indefinite" restart="never" nodeType="tmRoot">
-          <p:childTnLst>
-            <p:seq concurrent="1" nextAc="seek">
-              <p:cTn id="2" dur="0" nodeType="mainSeq"/>
-              <p:prevCondLst>
-                <p:cond evt="onPrev" delay="0">
-                  <p:tgtEl>
-                    <p:sldTgt/>
-                  </p:tgtEl>
-                </p:cond>
-              </p:prevCondLst>
-              <p:nextCondLst>
-                <p:cond evt="onNext" delay="0">
-                  <p:tgtEl>
-                    <p:sldTgt/>
-                  </p:tgtEl>
-                </p:cond>
-              </p:nextCondLst>
-            </p:seq>
-          </p:childTnLst>
-        </p:cTn>
-      </p:par>
-    </p:tnLst>
-  </p:timing>
-</p:sld>
-</file>
-
-<file path=ppt/slides/slide11.xml><?xml version="1.0" encoding="utf-8"?>
 <p:sld xmlns:a="http://schemas.openxmlformats.org/drawingml/2006/main" xmlns:r="http://schemas.openxmlformats.org/officeDocument/2006/relationships" xmlns:p="http://schemas.openxmlformats.org/presentationml/2006/main">
   <p:cSld>
     <p:spTree>
@@ -4607,7 +4005,7 @@
 </p:sld>
 </file>
 
-<file path=ppt/slides/slide12.xml><?xml version="1.0" encoding="utf-8"?>
+<file path=ppt/slides/slide11.xml><?xml version="1.0" encoding="utf-8"?>
 <p:sld xmlns:a="http://schemas.openxmlformats.org/drawingml/2006/main" xmlns:r="http://schemas.openxmlformats.org/officeDocument/2006/relationships" xmlns:p="http://schemas.openxmlformats.org/presentationml/2006/main">
   <p:cSld>
     <p:spTree>
@@ -4846,7 +4244,7 @@
 </p:sld>
 </file>
 
-<file path=ppt/slides/slide13.xml><?xml version="1.0" encoding="utf-8"?>
+<file path=ppt/slides/slide12.xml><?xml version="1.0" encoding="utf-8"?>
 <p:sld xmlns:a="http://schemas.openxmlformats.org/drawingml/2006/main" xmlns:r="http://schemas.openxmlformats.org/officeDocument/2006/relationships" xmlns:p="http://schemas.openxmlformats.org/presentationml/2006/main">
   <p:cSld>
     <p:spTree>
@@ -4936,7 +4334,7 @@
 </p:sld>
 </file>
 
-<file path=ppt/slides/slide14.xml><?xml version="1.0" encoding="utf-8"?>
+<file path=ppt/slides/slide13.xml><?xml version="1.0" encoding="utf-8"?>
 <p:sld xmlns:a="http://schemas.openxmlformats.org/drawingml/2006/main" xmlns:r="http://schemas.openxmlformats.org/officeDocument/2006/relationships" xmlns:p="http://schemas.openxmlformats.org/presentationml/2006/main">
   <p:cSld>
     <p:spTree>
@@ -5038,7 +4436,7 @@
 </p:sld>
 </file>
 
-<file path=ppt/slides/slide15.xml><?xml version="1.0" encoding="utf-8"?>
+<file path=ppt/slides/slide14.xml><?xml version="1.0" encoding="utf-8"?>
 <p:sld xmlns:a="http://schemas.openxmlformats.org/drawingml/2006/main" xmlns:r="http://schemas.openxmlformats.org/officeDocument/2006/relationships" xmlns:p="http://schemas.openxmlformats.org/presentationml/2006/main">
   <p:cSld>
     <p:spTree>
@@ -5129,7 +4527,7 @@
 </p:sld>
 </file>
 
-<file path=ppt/slides/slide16.xml><?xml version="1.0" encoding="utf-8"?>
+<file path=ppt/slides/slide15.xml><?xml version="1.0" encoding="utf-8"?>
 <p:sld xmlns:a="http://schemas.openxmlformats.org/drawingml/2006/main" xmlns:r="http://schemas.openxmlformats.org/officeDocument/2006/relationships" xmlns:p="http://schemas.openxmlformats.org/presentationml/2006/main">
   <p:cSld>
     <p:spTree>
@@ -5215,7 +4613,7 @@
 </p:sld>
 </file>
 
-<file path=ppt/slides/slide17.xml><?xml version="1.0" encoding="utf-8"?>
+<file path=ppt/slides/slide16.xml><?xml version="1.0" encoding="utf-8"?>
 <p:sld xmlns:a="http://schemas.openxmlformats.org/drawingml/2006/main" xmlns:r="http://schemas.openxmlformats.org/officeDocument/2006/relationships" xmlns:p="http://schemas.openxmlformats.org/presentationml/2006/main">
   <p:cSld>
     <p:spTree>
@@ -5314,7 +4712,7 @@
 </p:sld>
 </file>
 
-<file path=ppt/slides/slide18.xml><?xml version="1.0" encoding="utf-8"?>
+<file path=ppt/slides/slide17.xml><?xml version="1.0" encoding="utf-8"?>
 <p:sld xmlns:a="http://schemas.openxmlformats.org/drawingml/2006/main" xmlns:r="http://schemas.openxmlformats.org/officeDocument/2006/relationships" xmlns:p="http://schemas.openxmlformats.org/presentationml/2006/main">
   <p:cSld>
     <p:spTree>
@@ -5395,7 +4793,7 @@
 </p:sld>
 </file>
 
-<file path=ppt/slides/slide19.xml><?xml version="1.0" encoding="utf-8"?>
+<file path=ppt/slides/slide18.xml><?xml version="1.0" encoding="utf-8"?>
 <p:sld xmlns:a="http://schemas.openxmlformats.org/drawingml/2006/main" xmlns:r="http://schemas.openxmlformats.org/officeDocument/2006/relationships" xmlns:p="http://schemas.openxmlformats.org/presentationml/2006/main">
   <p:cSld>
     <p:spTree>
@@ -5951,6 +5349,214 @@
 </p:sld>
 </file>
 
+<file path=ppt/slides/slide19.xml><?xml version="1.0" encoding="utf-8"?>
+<p:sld xmlns:a="http://schemas.openxmlformats.org/drawingml/2006/main" xmlns:r="http://schemas.openxmlformats.org/officeDocument/2006/relationships" xmlns:p="http://schemas.openxmlformats.org/presentationml/2006/main">
+  <p:cSld>
+    <p:spTree>
+      <p:nvGrpSpPr>
+        <p:cNvPr id="1" name=""/>
+        <p:cNvGrpSpPr/>
+        <p:nvPr/>
+      </p:nvGrpSpPr>
+      <p:grpSpPr>
+        <a:xfrm>
+          <a:off x="0" y="0"/>
+          <a:ext cx="0" cy="0"/>
+          <a:chOff x="0" y="0"/>
+          <a:chExt cx="0" cy="0"/>
+        </a:xfrm>
+      </p:grpSpPr>
+      <p:sp>
+        <p:nvSpPr>
+          <p:cNvPr id="2" name="Title 1">
+            <a:extLst>
+              <a:ext uri="{FF2B5EF4-FFF2-40B4-BE49-F238E27FC236}">
+                <a16:creationId xmlns:a16="http://schemas.microsoft.com/office/drawing/2014/main" id="{8F8AEC9F-1E6F-4091-8706-33A8780D04C7}"/>
+              </a:ext>
+            </a:extLst>
+          </p:cNvPr>
+          <p:cNvSpPr>
+            <a:spLocks noGrp="1"/>
+          </p:cNvSpPr>
+          <p:nvPr>
+            <p:ph type="title"/>
+          </p:nvPr>
+        </p:nvSpPr>
+        <p:spPr>
+          <a:xfrm>
+            <a:off x="685800" y="152400"/>
+            <a:ext cx="8229600" cy="1143000"/>
+          </a:xfrm>
+        </p:spPr>
+        <p:txBody>
+          <a:bodyPr/>
+          <a:lstStyle/>
+          <a:p>
+            <a:r>
+              <a:rPr lang="en-US" dirty="0"/>
+              <a:t>Demo for Client Server Pattern</a:t>
+            </a:r>
+          </a:p>
+        </p:txBody>
+      </p:sp>
+      <p:sp>
+        <p:nvSpPr>
+          <p:cNvPr id="3" name="TextBox 2">
+            <a:extLst>
+              <a:ext uri="{FF2B5EF4-FFF2-40B4-BE49-F238E27FC236}">
+                <a16:creationId xmlns:a16="http://schemas.microsoft.com/office/drawing/2014/main" id="{4202F949-0C90-4575-A569-8C31856D53AB}"/>
+              </a:ext>
+            </a:extLst>
+          </p:cNvPr>
+          <p:cNvSpPr txBox="1"/>
+          <p:nvPr/>
+        </p:nvSpPr>
+        <p:spPr>
+          <a:xfrm>
+            <a:off x="3276601" y="1219200"/>
+            <a:ext cx="2133600" cy="461665"/>
+          </a:xfrm>
+          <a:prstGeom prst="rect">
+            <a:avLst/>
+          </a:prstGeom>
+          <a:noFill/>
+        </p:spPr>
+        <p:txBody>
+          <a:bodyPr wrap="square" rtlCol="0">
+            <a:spAutoFit/>
+          </a:bodyPr>
+          <a:lstStyle/>
+          <a:p>
+            <a:pPr algn="ctr"/>
+            <a:r>
+              <a:rPr lang="en-US" sz="2400" dirty="0"/>
+              <a:t>Hello_world.js</a:t>
+            </a:r>
+          </a:p>
+        </p:txBody>
+      </p:sp>
+      <p:sp>
+        <p:nvSpPr>
+          <p:cNvPr id="4" name="TextBox 3">
+            <a:extLst>
+              <a:ext uri="{FF2B5EF4-FFF2-40B4-BE49-F238E27FC236}">
+                <a16:creationId xmlns:a16="http://schemas.microsoft.com/office/drawing/2014/main" id="{C04B89A8-77A4-462D-ACB6-BF50179EB2AF}"/>
+              </a:ext>
+            </a:extLst>
+          </p:cNvPr>
+          <p:cNvSpPr txBox="1"/>
+          <p:nvPr/>
+        </p:nvSpPr>
+        <p:spPr>
+          <a:xfrm>
+            <a:off x="990600" y="2743200"/>
+            <a:ext cx="7495642" cy="1754326"/>
+          </a:xfrm>
+          <a:prstGeom prst="rect">
+            <a:avLst/>
+          </a:prstGeom>
+          <a:noFill/>
+        </p:spPr>
+        <p:txBody>
+          <a:bodyPr wrap="none" rtlCol="0">
+            <a:spAutoFit/>
+          </a:bodyPr>
+          <a:lstStyle/>
+          <a:p>
+            <a:pPr marL="285750" indent="-285750">
+              <a:buFont typeface="Arial" panose="020B0604020202020204" pitchFamily="34" charset="0"/>
+              <a:buChar char="•"/>
+            </a:pPr>
+            <a:r>
+              <a:rPr lang="en-US" dirty="0"/>
+              <a:t>Create and start one or more socket pools at client sides</a:t>
+            </a:r>
+          </a:p>
+          <a:p>
+            <a:pPr marL="285750" indent="-285750">
+              <a:buFont typeface="Arial" panose="020B0604020202020204" pitchFamily="34" charset="0"/>
+              <a:buChar char="•"/>
+            </a:pPr>
+            <a:r>
+              <a:rPr lang="en-US" dirty="0"/>
+              <a:t>Get an </a:t>
+            </a:r>
+            <a:r>
+              <a:rPr lang="en-US" dirty="0" err="1"/>
+              <a:t>async</a:t>
+            </a:r>
+            <a:r>
+              <a:rPr lang="en-US" dirty="0"/>
+              <a:t> handler for request streaming and returning result processing</a:t>
+            </a:r>
+          </a:p>
+          <a:p>
+            <a:pPr marL="285750" indent="-285750">
+              <a:buFont typeface="Arial" panose="020B0604020202020204" pitchFamily="34" charset="0"/>
+              <a:buChar char="•"/>
+            </a:pPr>
+            <a:r>
+              <a:rPr lang="en-US" dirty="0"/>
+              <a:t>Request data serialization and result processing</a:t>
+            </a:r>
+          </a:p>
+          <a:p>
+            <a:pPr marL="285750" indent="-285750">
+              <a:buFont typeface="Arial" panose="020B0604020202020204" pitchFamily="34" charset="0"/>
+              <a:buChar char="•"/>
+            </a:pPr>
+            <a:r>
+              <a:rPr lang="en-US" dirty="0"/>
+              <a:t>Streaming six requests and their results processing</a:t>
+            </a:r>
+          </a:p>
+          <a:p>
+            <a:pPr marL="285750" indent="-285750">
+              <a:buFont typeface="Arial" panose="020B0604020202020204" pitchFamily="34" charset="0"/>
+              <a:buChar char="•"/>
+            </a:pPr>
+            <a:r>
+              <a:rPr lang="en-US" dirty="0"/>
+              <a:t>Complex structure serialization and de-serialization</a:t>
+            </a:r>
+          </a:p>
+          <a:p>
+            <a:pPr marL="285750" indent="-285750">
+              <a:buFont typeface="Arial" panose="020B0604020202020204" pitchFamily="34" charset="0"/>
+              <a:buChar char="•"/>
+            </a:pPr>
+            <a:r>
+              <a:rPr lang="en-US" dirty="0" err="1"/>
+              <a:t>Async</a:t>
+            </a:r>
+            <a:r>
+              <a:rPr lang="en-US" dirty="0"/>
+              <a:t> and await well supported with </a:t>
+            </a:r>
+            <a:r>
+              <a:rPr lang="en-US" dirty="0" err="1"/>
+              <a:t>SocketPro</a:t>
+            </a:r>
+            <a:r>
+              <a:rPr lang="en-US" dirty="0"/>
+              <a:t> node.js</a:t>
+            </a:r>
+          </a:p>
+        </p:txBody>
+      </p:sp>
+    </p:spTree>
+    <p:extLst>
+      <p:ext uri="{BB962C8B-B14F-4D97-AF65-F5344CB8AC3E}">
+        <p14:creationId xmlns:p14="http://schemas.microsoft.com/office/powerpoint/2010/main" val="1863008630"/>
+      </p:ext>
+    </p:extLst>
+  </p:cSld>
+  <p:clrMapOvr>
+    <a:masterClrMapping/>
+  </p:clrMapOvr>
+</p:sld>
+</file>
+
 <file path=ppt/slides/slide2.xml><?xml version="1.0" encoding="utf-8"?>
 <p:sld xmlns:a="http://schemas.openxmlformats.org/drawingml/2006/main" xmlns:r="http://schemas.openxmlformats.org/officeDocument/2006/relationships" xmlns:p="http://schemas.openxmlformats.org/presentationml/2006/main">
   <p:cSld>
@@ -5970,104 +5576,168 @@
       </p:grpSpPr>
       <p:sp>
         <p:nvSpPr>
-          <p:cNvPr id="2" name="Title 1"/>
+          <p:cNvPr id="2" name="Title 1">
+            <a:extLst>
+              <a:ext uri="{FF2B5EF4-FFF2-40B4-BE49-F238E27FC236}">
+                <a16:creationId xmlns:a16="http://schemas.microsoft.com/office/drawing/2014/main" id="{A4472B37-453E-47CC-99D5-B00BC5BF0D5B}"/>
+              </a:ext>
+            </a:extLst>
+          </p:cNvPr>
           <p:cNvSpPr>
             <a:spLocks noGrp="1"/>
           </p:cNvSpPr>
           <p:nvPr>
-            <p:ph type="ctrTitle"/>
+            <p:ph type="title"/>
           </p:nvPr>
         </p:nvSpPr>
         <p:spPr>
           <a:xfrm>
-            <a:off x="762000" y="762000"/>
-            <a:ext cx="7772400" cy="2152650"/>
+            <a:off x="457200" y="274638"/>
+            <a:ext cx="8229600" cy="868362"/>
           </a:xfrm>
         </p:spPr>
         <p:txBody>
-          <a:bodyPr>
-            <a:normAutofit/>
-          </a:bodyPr>
+          <a:bodyPr/>
           <a:lstStyle/>
           <a:p>
             <a:r>
-              <a:rPr lang="en-US" b="1" dirty="0"/>
-              <a:t>Brief Introduction of </a:t>
-            </a:r>
-            <a:r>
-              <a:rPr lang="en-US" b="1" dirty="0" err="1"/>
-              <a:t>SocketPro</a:t>
-            </a:r>
-            <a:r>
-              <a:rPr lang="en-US" b="1" dirty="0"/>
-              <a:t> Asynchronous Communication Framework for WAN</a:t>
-            </a:r>
-          </a:p>
-        </p:txBody>
-      </p:sp>
-      <p:sp>
-        <p:nvSpPr>
-          <p:cNvPr id="3" name="Subtitle 2"/>
+              <a:rPr lang="en-US" dirty="0"/>
+              <a:t>Contents</a:t>
+            </a:r>
+          </a:p>
+        </p:txBody>
+      </p:sp>
+      <p:sp>
+        <p:nvSpPr>
+          <p:cNvPr id="3" name="Content Placeholder 2">
+            <a:extLst>
+              <a:ext uri="{FF2B5EF4-FFF2-40B4-BE49-F238E27FC236}">
+                <a16:creationId xmlns:a16="http://schemas.microsoft.com/office/drawing/2014/main" id="{D67E0C64-D722-476C-B432-4C0B57A0A51A}"/>
+              </a:ext>
+            </a:extLst>
+          </p:cNvPr>
           <p:cNvSpPr>
             <a:spLocks noGrp="1"/>
           </p:cNvSpPr>
           <p:nvPr>
-            <p:ph type="subTitle" idx="1"/>
+            <p:ph idx="1"/>
           </p:nvPr>
         </p:nvSpPr>
         <p:spPr>
           <a:xfrm>
-            <a:off x="1066800" y="3048000"/>
-            <a:ext cx="7086600" cy="1600200"/>
+            <a:off x="533400" y="1295400"/>
+            <a:ext cx="8153400" cy="4953000"/>
           </a:xfrm>
         </p:spPr>
         <p:txBody>
           <a:bodyPr>
-            <a:normAutofit/>
+            <a:normAutofit fontScale="92500" lnSpcReduction="20000"/>
           </a:bodyPr>
           <a:lstStyle/>
           <a:p>
             <a:r>
               <a:rPr lang="en-US" dirty="0"/>
-              <a:t>Continuous Request Sending and Processing for the Highest Network Efficiency and Throughput</a:t>
-            </a:r>
-          </a:p>
-        </p:txBody>
-      </p:sp>
-      <p:sp>
-        <p:nvSpPr>
-          <p:cNvPr id="4" name="TextBox 3"/>
-          <p:cNvSpPr txBox="1"/>
-          <p:nvPr/>
-        </p:nvSpPr>
-        <p:spPr>
-          <a:xfrm>
-            <a:off x="3276600" y="5181600"/>
-            <a:ext cx="2619307" cy="461665"/>
-          </a:xfrm>
-          <a:prstGeom prst="rect">
-            <a:avLst/>
-          </a:prstGeom>
-          <a:noFill/>
-        </p:spPr>
-        <p:txBody>
-          <a:bodyPr wrap="none" rtlCol="0">
-            <a:spAutoFit/>
-          </a:bodyPr>
-          <a:lstStyle/>
-          <a:p>
-            <a:r>
-              <a:rPr lang="en-US" sz="2400" dirty="0" err="1"/>
-              <a:t>Yuancai</a:t>
-            </a:r>
-            <a:r>
-              <a:rPr lang="en-US" sz="2400" dirty="0"/>
-              <a:t> (Charlie) Ye</a:t>
-            </a:r>
+              <a:t>Request Streaming Communication Pattern</a:t>
+            </a:r>
+          </a:p>
+          <a:p>
+            <a:r>
+              <a:rPr lang="en-US" dirty="0" err="1"/>
+              <a:t>SocketPro</a:t>
+            </a:r>
+            <a:r>
+              <a:rPr lang="en-US" dirty="0"/>
+              <a:t> Architecture and Components</a:t>
+            </a:r>
+          </a:p>
+          <a:p>
+            <a:r>
+              <a:rPr lang="en-US" dirty="0" err="1"/>
+              <a:t>SocketPro</a:t>
+            </a:r>
+            <a:r>
+              <a:rPr lang="en-US" dirty="0"/>
+              <a:t> Key Features</a:t>
+            </a:r>
+          </a:p>
+          <a:p>
+            <a:r>
+              <a:rPr lang="en-US" dirty="0"/>
+              <a:t>Node.js Demos</a:t>
+            </a:r>
+          </a:p>
+          <a:p>
+            <a:pPr lvl="1"/>
+            <a:r>
+              <a:rPr lang="en-US" dirty="0"/>
+              <a:t>Client/server</a:t>
+            </a:r>
+          </a:p>
+          <a:p>
+            <a:pPr lvl="1"/>
+            <a:r>
+              <a:rPr lang="en-US" dirty="0"/>
+              <a:t>Publish/subscribe</a:t>
+            </a:r>
+          </a:p>
+          <a:p>
+            <a:pPr lvl="1"/>
+            <a:r>
+              <a:rPr lang="en-US" dirty="0"/>
+              <a:t>Persistent message queue</a:t>
+            </a:r>
+          </a:p>
+          <a:p>
+            <a:pPr lvl="1"/>
+            <a:r>
+              <a:rPr lang="en-US" dirty="0"/>
+              <a:t>SQL-streaming</a:t>
+            </a:r>
+          </a:p>
+          <a:p>
+            <a:pPr lvl="1"/>
+            <a:r>
+              <a:rPr lang="en-US" dirty="0"/>
+              <a:t>Master-slave with real-time updateable cache</a:t>
+            </a:r>
+          </a:p>
+          <a:p>
+            <a:pPr lvl="1"/>
+            <a:r>
+              <a:rPr lang="en-US" dirty="0"/>
+              <a:t>File streaming</a:t>
+            </a:r>
+          </a:p>
+          <a:p>
+            <a:r>
+              <a:rPr lang="en-US" dirty="0"/>
+              <a:t>Analysis on nja.js + </a:t>
+            </a:r>
+            <a:r>
+              <a:rPr lang="en-US" dirty="0" err="1"/>
+              <a:t>njadapter.node</a:t>
+            </a:r>
+            <a:endParaRPr lang="en-US" dirty="0"/>
+          </a:p>
+          <a:p>
+            <a:pPr lvl="1"/>
+            <a:endParaRPr lang="en-US" dirty="0"/>
+          </a:p>
+          <a:p>
+            <a:pPr lvl="1"/>
+            <a:endParaRPr lang="en-US" dirty="0"/>
+          </a:p>
+          <a:p>
+            <a:endParaRPr lang="en-US" dirty="0"/>
           </a:p>
         </p:txBody>
       </p:sp>
     </p:spTree>
+    <p:extLst>
+      <p:ext uri="{BB962C8B-B14F-4D97-AF65-F5344CB8AC3E}">
+        <p14:creationId xmlns:p14="http://schemas.microsoft.com/office/powerpoint/2010/main" val="1668077575"/>
+      </p:ext>
+    </p:extLst>
   </p:cSld>
   <p:clrMapOvr>
     <a:masterClrMapping/>
@@ -6097,7 +5767,7 @@
           <p:cNvPr id="2" name="Title 1">
             <a:extLst>
               <a:ext uri="{FF2B5EF4-FFF2-40B4-BE49-F238E27FC236}">
-                <a16:creationId xmlns:a16="http://schemas.microsoft.com/office/drawing/2014/main" id="{8F8AEC9F-1E6F-4091-8706-33A8780D04C7}"/>
+                <a16:creationId xmlns:a16="http://schemas.microsoft.com/office/drawing/2014/main" id="{17D2A407-E9CF-4C61-B5DC-37996D4D0179}"/>
               </a:ext>
             </a:extLst>
           </p:cNvPr>
@@ -6110,20 +5780,230 @@
         </p:nvSpPr>
         <p:spPr/>
         <p:txBody>
-          <a:bodyPr/>
+          <a:bodyPr>
+            <a:normAutofit/>
+          </a:bodyPr>
           <a:lstStyle/>
           <a:p>
             <a:r>
               <a:rPr lang="en-US" dirty="0"/>
-              <a:t>Demo for Client Server Pattern</a:t>
-            </a:r>
+              <a:t>Demo for Publish/Subscribe</a:t>
+            </a:r>
+          </a:p>
+        </p:txBody>
+      </p:sp>
+      <p:sp>
+        <p:nvSpPr>
+          <p:cNvPr id="3" name="TextBox 2">
+            <a:extLst>
+              <a:ext uri="{FF2B5EF4-FFF2-40B4-BE49-F238E27FC236}">
+                <a16:creationId xmlns:a16="http://schemas.microsoft.com/office/drawing/2014/main" id="{D93251ED-90A4-4A1B-886C-61E4F58F5226}"/>
+              </a:ext>
+            </a:extLst>
+          </p:cNvPr>
+          <p:cNvSpPr txBox="1"/>
+          <p:nvPr/>
+        </p:nvSpPr>
+        <p:spPr>
+          <a:xfrm>
+            <a:off x="3276601" y="1219200"/>
+            <a:ext cx="2133600" cy="461665"/>
+          </a:xfrm>
+          <a:prstGeom prst="rect">
+            <a:avLst/>
+          </a:prstGeom>
+          <a:noFill/>
+        </p:spPr>
+        <p:txBody>
+          <a:bodyPr wrap="square" rtlCol="0">
+            <a:spAutoFit/>
+          </a:bodyPr>
+          <a:lstStyle/>
+          <a:p>
+            <a:pPr algn="ctr"/>
+            <a:r>
+              <a:rPr lang="en-US" sz="2400" dirty="0"/>
+              <a:t>Hello_world.js</a:t>
+            </a:r>
+          </a:p>
+        </p:txBody>
+      </p:sp>
+      <p:sp>
+        <p:nvSpPr>
+          <p:cNvPr id="4" name="TextBox 3">
+            <a:extLst>
+              <a:ext uri="{FF2B5EF4-FFF2-40B4-BE49-F238E27FC236}">
+                <a16:creationId xmlns:a16="http://schemas.microsoft.com/office/drawing/2014/main" id="{D564294D-FE5D-499F-A231-57FC4E5ED48F}"/>
+              </a:ext>
+            </a:extLst>
+          </p:cNvPr>
+          <p:cNvSpPr txBox="1"/>
+          <p:nvPr/>
+        </p:nvSpPr>
+        <p:spPr>
+          <a:xfrm>
+            <a:off x="1385454" y="1981200"/>
+            <a:ext cx="6373091" cy="1477328"/>
+          </a:xfrm>
+          <a:prstGeom prst="rect">
+            <a:avLst/>
+          </a:prstGeom>
+          <a:noFill/>
+        </p:spPr>
+        <p:txBody>
+          <a:bodyPr wrap="none" rtlCol="0">
+            <a:spAutoFit/>
+          </a:bodyPr>
+          <a:lstStyle/>
+          <a:p>
+            <a:pPr marL="285750" indent="-285750">
+              <a:buFont typeface="Arial" panose="020B0604020202020204" pitchFamily="34" charset="0"/>
+              <a:buChar char="•"/>
+            </a:pPr>
+            <a:r>
+              <a:rPr lang="en-US" dirty="0"/>
+              <a:t>Get a messenger (</a:t>
+            </a:r>
+            <a:r>
+              <a:rPr lang="da-DK" dirty="0"/>
+              <a:t>var messenger = hw.Socket.Push</a:t>
+            </a:r>
+            <a:r>
+              <a:rPr lang="en-US" dirty="0"/>
+              <a:t>)</a:t>
+            </a:r>
+          </a:p>
+          <a:p>
+            <a:pPr marL="285750" indent="-285750">
+              <a:buFont typeface="Arial" panose="020B0604020202020204" pitchFamily="34" charset="0"/>
+              <a:buChar char="•"/>
+            </a:pPr>
+            <a:r>
+              <a:rPr lang="en-US" dirty="0" err="1"/>
+              <a:t>SendUserMessage</a:t>
+            </a:r>
+            <a:endParaRPr lang="en-US" dirty="0"/>
+          </a:p>
+          <a:p>
+            <a:pPr marL="285750" indent="-285750">
+              <a:buFont typeface="Arial" panose="020B0604020202020204" pitchFamily="34" charset="0"/>
+              <a:buChar char="•"/>
+            </a:pPr>
+            <a:r>
+              <a:rPr lang="en-US" dirty="0"/>
+              <a:t>Send one message to one or more groups of listeners or clients</a:t>
+            </a:r>
+          </a:p>
+          <a:p>
+            <a:pPr marL="285750" indent="-285750">
+              <a:buFont typeface="Arial" panose="020B0604020202020204" pitchFamily="34" charset="0"/>
+              <a:buChar char="•"/>
+            </a:pPr>
+            <a:r>
+              <a:rPr lang="en-US" dirty="0"/>
+              <a:t>Catch messages from different message senders or publishers</a:t>
+            </a:r>
+          </a:p>
+          <a:p>
+            <a:pPr marL="285750" indent="-285750">
+              <a:buFont typeface="Arial" panose="020B0604020202020204" pitchFamily="34" charset="0"/>
+              <a:buChar char="•"/>
+            </a:pPr>
+            <a:r>
+              <a:rPr lang="en-US" dirty="0"/>
+              <a:t>Where subscribe happens ?</a:t>
+            </a:r>
+          </a:p>
+        </p:txBody>
+      </p:sp>
+      <p:sp>
+        <p:nvSpPr>
+          <p:cNvPr id="5" name="TextBox 4">
+            <a:extLst>
+              <a:ext uri="{FF2B5EF4-FFF2-40B4-BE49-F238E27FC236}">
+                <a16:creationId xmlns:a16="http://schemas.microsoft.com/office/drawing/2014/main" id="{6312D87E-FBF2-4604-AD94-E629A993892D}"/>
+              </a:ext>
+            </a:extLst>
+          </p:cNvPr>
+          <p:cNvSpPr txBox="1"/>
+          <p:nvPr/>
+        </p:nvSpPr>
+        <p:spPr>
+          <a:xfrm>
+            <a:off x="1385454" y="3810000"/>
+            <a:ext cx="2276842" cy="1477328"/>
+          </a:xfrm>
+          <a:prstGeom prst="rect">
+            <a:avLst/>
+          </a:prstGeom>
+          <a:noFill/>
+        </p:spPr>
+        <p:txBody>
+          <a:bodyPr wrap="none" rtlCol="0">
+            <a:spAutoFit/>
+          </a:bodyPr>
+          <a:lstStyle/>
+          <a:p>
+            <a:pPr marL="342900" indent="-342900">
+              <a:buFont typeface="+mj-lt"/>
+              <a:buAutoNum type="arabicPeriod"/>
+            </a:pPr>
+            <a:r>
+              <a:rPr lang="en-US" dirty="0" err="1"/>
+              <a:t>PoolEvent</a:t>
+            </a:r>
+            <a:endParaRPr lang="en-US" dirty="0"/>
+          </a:p>
+          <a:p>
+            <a:pPr marL="342900" indent="-342900">
+              <a:buFont typeface="+mj-lt"/>
+              <a:buAutoNum type="arabicPeriod"/>
+            </a:pPr>
+            <a:r>
+              <a:rPr lang="en-US" dirty="0" err="1"/>
+              <a:t>ResultReturned</a:t>
+            </a:r>
+            <a:endParaRPr lang="en-US" dirty="0"/>
+          </a:p>
+          <a:p>
+            <a:pPr marL="342900" indent="-342900">
+              <a:buFont typeface="+mj-lt"/>
+              <a:buAutoNum type="arabicPeriod"/>
+            </a:pPr>
+            <a:r>
+              <a:rPr lang="en-US" dirty="0" err="1"/>
+              <a:t>AllProcessed</a:t>
+            </a:r>
+            <a:endParaRPr lang="en-US" dirty="0"/>
+          </a:p>
+          <a:p>
+            <a:pPr marL="342900" indent="-342900">
+              <a:buFont typeface="+mj-lt"/>
+              <a:buAutoNum type="arabicPeriod"/>
+            </a:pPr>
+            <a:r>
+              <a:rPr lang="en-US" dirty="0" err="1"/>
+              <a:t>BaseReqProcessed</a:t>
+            </a:r>
+            <a:endParaRPr lang="en-US" dirty="0"/>
+          </a:p>
+          <a:p>
+            <a:pPr marL="342900" indent="-342900">
+              <a:buFont typeface="+mj-lt"/>
+              <a:buAutoNum type="arabicPeriod"/>
+            </a:pPr>
+            <a:r>
+              <a:rPr lang="en-US" dirty="0" err="1"/>
+              <a:t>ServerException</a:t>
+            </a:r>
+            <a:endParaRPr lang="en-US" dirty="0"/>
           </a:p>
         </p:txBody>
       </p:sp>
     </p:spTree>
     <p:extLst>
       <p:ext uri="{BB962C8B-B14F-4D97-AF65-F5344CB8AC3E}">
-        <p14:creationId xmlns:p14="http://schemas.microsoft.com/office/powerpoint/2010/main" val="1863008630"/>
+        <p14:creationId xmlns:p14="http://schemas.microsoft.com/office/powerpoint/2010/main" val="1727962992"/>
       </p:ext>
     </p:extLst>
   </p:cSld>
@@ -6155,7 +6035,7 @@
           <p:cNvPr id="2" name="Title 1">
             <a:extLst>
               <a:ext uri="{FF2B5EF4-FFF2-40B4-BE49-F238E27FC236}">
-                <a16:creationId xmlns:a16="http://schemas.microsoft.com/office/drawing/2014/main" id="{17D2A407-E9CF-4C61-B5DC-37996D4D0179}"/>
+                <a16:creationId xmlns:a16="http://schemas.microsoft.com/office/drawing/2014/main" id="{8ED7575B-A5D2-499F-BF0C-3FC854A72560}"/>
               </a:ext>
             </a:extLst>
           </p:cNvPr>
@@ -6169,21 +6049,201 @@
         <p:spPr/>
         <p:txBody>
           <a:bodyPr>
-            <a:normAutofit/>
+            <a:normAutofit fontScale="90000"/>
           </a:bodyPr>
           <a:lstStyle/>
           <a:p>
             <a:r>
               <a:rPr lang="en-US" dirty="0"/>
-              <a:t>Demo for Publish/Subscribe</a:t>
-            </a:r>
+              <a:t>Demo for Persistent Message Queue</a:t>
+            </a:r>
+          </a:p>
+        </p:txBody>
+      </p:sp>
+      <p:sp>
+        <p:nvSpPr>
+          <p:cNvPr id="3" name="TextBox 2">
+            <a:extLst>
+              <a:ext uri="{FF2B5EF4-FFF2-40B4-BE49-F238E27FC236}">
+                <a16:creationId xmlns:a16="http://schemas.microsoft.com/office/drawing/2014/main" id="{2AB46993-312E-46C3-BFD5-0CA1E273B79E}"/>
+              </a:ext>
+            </a:extLst>
+          </p:cNvPr>
+          <p:cNvSpPr txBox="1"/>
+          <p:nvPr/>
+        </p:nvSpPr>
+        <p:spPr>
+          <a:xfrm>
+            <a:off x="3048000" y="1519535"/>
+            <a:ext cx="2666999" cy="461665"/>
+          </a:xfrm>
+          <a:prstGeom prst="rect">
+            <a:avLst/>
+          </a:prstGeom>
+          <a:noFill/>
+        </p:spPr>
+        <p:txBody>
+          <a:bodyPr wrap="square" rtlCol="0">
+            <a:spAutoFit/>
+          </a:bodyPr>
+          <a:lstStyle/>
+          <a:p>
+            <a:pPr algn="ctr"/>
+            <a:r>
+              <a:rPr lang="en-US" sz="2400" dirty="0"/>
+              <a:t>Server_Queue.js</a:t>
+            </a:r>
+          </a:p>
+        </p:txBody>
+      </p:sp>
+      <p:sp>
+        <p:nvSpPr>
+          <p:cNvPr id="4" name="TextBox 3">
+            <a:extLst>
+              <a:ext uri="{FF2B5EF4-FFF2-40B4-BE49-F238E27FC236}">
+                <a16:creationId xmlns:a16="http://schemas.microsoft.com/office/drawing/2014/main" id="{77FA2933-0FF6-4540-9873-386C219C02CC}"/>
+              </a:ext>
+            </a:extLst>
+          </p:cNvPr>
+          <p:cNvSpPr txBox="1"/>
+          <p:nvPr/>
+        </p:nvSpPr>
+        <p:spPr>
+          <a:xfrm>
+            <a:off x="762000" y="2819400"/>
+            <a:ext cx="7579832" cy="2031325"/>
+          </a:xfrm>
+          <a:prstGeom prst="rect">
+            <a:avLst/>
+          </a:prstGeom>
+          <a:noFill/>
+        </p:spPr>
+        <p:txBody>
+          <a:bodyPr wrap="none" rtlCol="0">
+            <a:spAutoFit/>
+          </a:bodyPr>
+          <a:lstStyle/>
+          <a:p>
+            <a:pPr marL="285750" indent="-285750">
+              <a:buFont typeface="Arial" panose="020B0604020202020204" pitchFamily="34" charset="0"/>
+              <a:buChar char="•"/>
+            </a:pPr>
+            <a:r>
+              <a:rPr lang="en-US" dirty="0"/>
+              <a:t>Enqueue messages in streaming (</a:t>
+            </a:r>
+            <a:r>
+              <a:rPr lang="en-US" dirty="0" err="1"/>
+              <a:t>sq.Enqueue</a:t>
+            </a:r>
+            <a:r>
+              <a:rPr lang="en-US" dirty="0"/>
+              <a:t>)</a:t>
+            </a:r>
+          </a:p>
+          <a:p>
+            <a:pPr marL="285750" indent="-285750">
+              <a:buFont typeface="Arial" panose="020B0604020202020204" pitchFamily="34" charset="0"/>
+              <a:buChar char="•"/>
+            </a:pPr>
+            <a:r>
+              <a:rPr lang="en-US" dirty="0"/>
+              <a:t>Dequeue messages (</a:t>
+            </a:r>
+            <a:r>
+              <a:rPr lang="en-US" dirty="0" err="1"/>
+              <a:t>sq.Dequeue</a:t>
+            </a:r>
+            <a:r>
+              <a:rPr lang="en-US" dirty="0"/>
+              <a:t>)</a:t>
+            </a:r>
+          </a:p>
+          <a:p>
+            <a:pPr marL="285750" indent="-285750">
+              <a:buFont typeface="Arial" panose="020B0604020202020204" pitchFamily="34" charset="0"/>
+              <a:buChar char="•"/>
+            </a:pPr>
+            <a:r>
+              <a:rPr lang="en-US" dirty="0"/>
+              <a:t>Catch and parse dequeued messages (</a:t>
+            </a:r>
+            <a:r>
+              <a:rPr lang="en-US" dirty="0" err="1"/>
+              <a:t>sq.ResultReturned</a:t>
+            </a:r>
+            <a:r>
+              <a:rPr lang="en-US" dirty="0"/>
+              <a:t>)</a:t>
+            </a:r>
+          </a:p>
+          <a:p>
+            <a:pPr marL="285750" indent="-285750">
+              <a:buFont typeface="Arial" panose="020B0604020202020204" pitchFamily="34" charset="0"/>
+              <a:buChar char="•"/>
+            </a:pPr>
+            <a:r>
+              <a:rPr lang="en-US" dirty="0"/>
+              <a:t>Enqueue messages with manual transaction (</a:t>
+            </a:r>
+            <a:r>
+              <a:rPr lang="en-US" dirty="0" err="1"/>
+              <a:t>sq.StartTrans</a:t>
+            </a:r>
+            <a:r>
+              <a:rPr lang="en-US" dirty="0"/>
+              <a:t> and </a:t>
+            </a:r>
+            <a:r>
+              <a:rPr lang="en-US" dirty="0" err="1"/>
+              <a:t>sq.EndTrans</a:t>
+            </a:r>
+            <a:r>
+              <a:rPr lang="en-US" dirty="0"/>
+              <a:t>)</a:t>
+            </a:r>
+          </a:p>
+          <a:p>
+            <a:pPr marL="285750" indent="-285750">
+              <a:buFont typeface="Arial" panose="020B0604020202020204" pitchFamily="34" charset="0"/>
+              <a:buChar char="•"/>
+            </a:pPr>
+            <a:r>
+              <a:rPr lang="en-US" dirty="0"/>
+              <a:t>Batch small or tiny messages</a:t>
+            </a:r>
+          </a:p>
+          <a:p>
+            <a:pPr marL="285750" indent="-285750">
+              <a:buFont typeface="Arial" panose="020B0604020202020204" pitchFamily="34" charset="0"/>
+              <a:buChar char="•"/>
+            </a:pPr>
+            <a:r>
+              <a:rPr lang="en-US" dirty="0"/>
+              <a:t>Demonstration of </a:t>
+            </a:r>
+            <a:r>
+              <a:rPr lang="en-US" dirty="0" err="1"/>
+              <a:t>async</a:t>
+            </a:r>
+            <a:r>
+              <a:rPr lang="en-US" dirty="0"/>
+              <a:t> and await for a few queue requests  </a:t>
+            </a:r>
+          </a:p>
+          <a:p>
+            <a:pPr marL="285750" indent="-285750">
+              <a:buFont typeface="Arial" panose="020B0604020202020204" pitchFamily="34" charset="0"/>
+              <a:buChar char="•"/>
+            </a:pPr>
+            <a:endParaRPr lang="en-US" dirty="0"/>
           </a:p>
         </p:txBody>
       </p:sp>
     </p:spTree>
     <p:extLst>
       <p:ext uri="{BB962C8B-B14F-4D97-AF65-F5344CB8AC3E}">
-        <p14:creationId xmlns:p14="http://schemas.microsoft.com/office/powerpoint/2010/main" val="1727962992"/>
+        <p14:creationId xmlns:p14="http://schemas.microsoft.com/office/powerpoint/2010/main" val="570281851"/>
       </p:ext>
     </p:extLst>
   </p:cSld>
@@ -6215,7 +6275,7 @@
           <p:cNvPr id="2" name="Title 1">
             <a:extLst>
               <a:ext uri="{FF2B5EF4-FFF2-40B4-BE49-F238E27FC236}">
-                <a16:creationId xmlns:a16="http://schemas.microsoft.com/office/drawing/2014/main" id="{8ED7575B-A5D2-499F-BF0C-3FC854A72560}"/>
+                <a16:creationId xmlns:a16="http://schemas.microsoft.com/office/drawing/2014/main" id="{ADBC792B-D0E6-4C55-ACCE-77A79238E005}"/>
               </a:ext>
             </a:extLst>
           </p:cNvPr>
@@ -6228,14 +6288,104 @@
         </p:nvSpPr>
         <p:spPr/>
         <p:txBody>
-          <a:bodyPr>
-            <a:normAutofit fontScale="90000"/>
-          </a:bodyPr>
+          <a:bodyPr/>
           <a:lstStyle/>
           <a:p>
             <a:r>
               <a:rPr lang="en-US" dirty="0"/>
-              <a:t>Demo for Persistent Message Queue</a:t>
+              <a:t>SQL-streaming Plugins</a:t>
+            </a:r>
+          </a:p>
+        </p:txBody>
+      </p:sp>
+      <p:sp>
+        <p:nvSpPr>
+          <p:cNvPr id="3" name="Content Placeholder 2">
+            <a:extLst>
+              <a:ext uri="{FF2B5EF4-FFF2-40B4-BE49-F238E27FC236}">
+                <a16:creationId xmlns:a16="http://schemas.microsoft.com/office/drawing/2014/main" id="{7710B22C-FF80-442B-8343-14C5CAE5A54D}"/>
+              </a:ext>
+            </a:extLst>
+          </p:cNvPr>
+          <p:cNvSpPr>
+            <a:spLocks noGrp="1"/>
+          </p:cNvSpPr>
+          <p:nvPr>
+            <p:ph idx="1"/>
+          </p:nvPr>
+        </p:nvSpPr>
+        <p:spPr/>
+        <p:txBody>
+          <a:bodyPr/>
+          <a:lstStyle/>
+          <a:p>
+            <a:r>
+              <a:rPr lang="en-US" dirty="0"/>
+              <a:t>SQLite + cache</a:t>
+            </a:r>
+          </a:p>
+          <a:p>
+            <a:r>
+              <a:rPr lang="en-US" dirty="0"/>
+              <a:t>MySQL/</a:t>
+            </a:r>
+            <a:r>
+              <a:rPr lang="en-US" dirty="0" err="1"/>
+              <a:t>Mariadb</a:t>
+            </a:r>
+            <a:r>
+              <a:rPr lang="en-US" dirty="0"/>
+              <a:t> + Cache</a:t>
+            </a:r>
+          </a:p>
+          <a:p>
+            <a:r>
+              <a:rPr lang="en-US" dirty="0"/>
+              <a:t>MS SQL Server + Cache</a:t>
+            </a:r>
+          </a:p>
+          <a:p>
+            <a:r>
+              <a:rPr lang="en-US" dirty="0"/>
+              <a:t>ODBC for Any Databases</a:t>
+            </a:r>
+          </a:p>
+          <a:p>
+            <a:r>
+              <a:rPr lang="en-US" i="1" dirty="0" err="1">
+                <a:solidFill>
+                  <a:srgbClr val="0000FF"/>
+                </a:solidFill>
+              </a:rPr>
+              <a:t>Postgresql</a:t>
+            </a:r>
+            <a:r>
+              <a:rPr lang="en-US" i="1" dirty="0">
+                <a:solidFill>
+                  <a:srgbClr val="0000FF"/>
+                </a:solidFill>
+              </a:rPr>
+              <a:t> + Cache in the Future</a:t>
+            </a:r>
+          </a:p>
+          <a:p>
+            <a:r>
+              <a:rPr lang="en-US" i="1" dirty="0">
+                <a:solidFill>
+                  <a:srgbClr val="0000FF"/>
+                </a:solidFill>
+              </a:rPr>
+              <a:t>DB2 + Cache in the Future</a:t>
+            </a:r>
+          </a:p>
+          <a:p>
+            <a:r>
+              <a:rPr lang="en-US" i="1" dirty="0">
+                <a:solidFill>
+                  <a:srgbClr val="0000FF"/>
+                </a:solidFill>
+              </a:rPr>
+              <a:t>Oracle + Cache in the Future</a:t>
             </a:r>
           </a:p>
         </p:txBody>
@@ -6243,7 +6393,7 @@
     </p:spTree>
     <p:extLst>
       <p:ext uri="{BB962C8B-B14F-4D97-AF65-F5344CB8AC3E}">
-        <p14:creationId xmlns:p14="http://schemas.microsoft.com/office/powerpoint/2010/main" val="570281851"/>
+        <p14:creationId xmlns:p14="http://schemas.microsoft.com/office/powerpoint/2010/main" val="3141169933"/>
       </p:ext>
     </p:extLst>
   </p:cSld>
@@ -6275,7 +6425,7 @@
           <p:cNvPr id="2" name="Title 1">
             <a:extLst>
               <a:ext uri="{FF2B5EF4-FFF2-40B4-BE49-F238E27FC236}">
-                <a16:creationId xmlns:a16="http://schemas.microsoft.com/office/drawing/2014/main" id="{ADBC792B-D0E6-4C55-ACCE-77A79238E005}"/>
+                <a16:creationId xmlns:a16="http://schemas.microsoft.com/office/drawing/2014/main" id="{37CD694A-3D6D-4C4A-935E-3CC2B32157A9}"/>
               </a:ext>
             </a:extLst>
           </p:cNvPr>
@@ -6293,99 +6443,217 @@
           <a:p>
             <a:r>
               <a:rPr lang="en-US" dirty="0"/>
-              <a:t>Demo for SQL-streaming</a:t>
-            </a:r>
-          </a:p>
-        </p:txBody>
-      </p:sp>
-      <p:sp>
-        <p:nvSpPr>
-          <p:cNvPr id="3" name="Content Placeholder 2">
+              <a:t>SQL-Streaming Demonstration</a:t>
+            </a:r>
+          </a:p>
+        </p:txBody>
+      </p:sp>
+      <p:sp>
+        <p:nvSpPr>
+          <p:cNvPr id="3" name="Rectangle 2">
             <a:extLst>
               <a:ext uri="{FF2B5EF4-FFF2-40B4-BE49-F238E27FC236}">
-                <a16:creationId xmlns:a16="http://schemas.microsoft.com/office/drawing/2014/main" id="{7710B22C-FF80-442B-8343-14C5CAE5A54D}"/>
+                <a16:creationId xmlns:a16="http://schemas.microsoft.com/office/drawing/2014/main" id="{7FCF60FC-FEB7-4CF8-91D3-442893C1C108}"/>
               </a:ext>
             </a:extLst>
           </p:cNvPr>
-          <p:cNvSpPr>
-            <a:spLocks noGrp="1"/>
-          </p:cNvSpPr>
-          <p:nvPr>
-            <p:ph idx="1"/>
-          </p:nvPr>
-        </p:nvSpPr>
-        <p:spPr/>
-        <p:txBody>
-          <a:bodyPr/>
+          <p:cNvSpPr/>
+          <p:nvPr/>
+        </p:nvSpPr>
+        <p:spPr>
+          <a:xfrm>
+            <a:off x="3581400" y="1447800"/>
+            <a:ext cx="1717971" cy="369332"/>
+          </a:xfrm>
+          <a:prstGeom prst="rect">
+            <a:avLst/>
+          </a:prstGeom>
+        </p:spPr>
+        <p:txBody>
+          <a:bodyPr wrap="none">
+            <a:spAutoFit/>
+          </a:bodyPr>
           <a:lstStyle/>
           <a:p>
-            <a:r>
-              <a:rPr lang="en-US" dirty="0"/>
-              <a:t>SQLite + cache</a:t>
-            </a:r>
-          </a:p>
-          <a:p>
-            <a:r>
-              <a:rPr lang="en-US" dirty="0"/>
-              <a:t>MySQL/</a:t>
+            <a:pPr algn="ctr"/>
+            <a:r>
+              <a:rPr lang="en-US" dirty="0"/>
+              <a:t>Sql_streaming.js</a:t>
+            </a:r>
+          </a:p>
+        </p:txBody>
+      </p:sp>
+      <p:sp>
+        <p:nvSpPr>
+          <p:cNvPr id="4" name="TextBox 3">
+            <a:extLst>
+              <a:ext uri="{FF2B5EF4-FFF2-40B4-BE49-F238E27FC236}">
+                <a16:creationId xmlns:a16="http://schemas.microsoft.com/office/drawing/2014/main" id="{1CA001F4-9D6B-426D-9D4A-66CB159E7AD8}"/>
+              </a:ext>
+            </a:extLst>
+          </p:cNvPr>
+          <p:cNvSpPr txBox="1"/>
+          <p:nvPr/>
+        </p:nvSpPr>
+        <p:spPr>
+          <a:xfrm>
+            <a:off x="914400" y="2590800"/>
+            <a:ext cx="7243137" cy="2585323"/>
+          </a:xfrm>
+          <a:prstGeom prst="rect">
+            <a:avLst/>
+          </a:prstGeom>
+          <a:noFill/>
+        </p:spPr>
+        <p:txBody>
+          <a:bodyPr wrap="none" rtlCol="0">
+            <a:spAutoFit/>
+          </a:bodyPr>
+          <a:lstStyle/>
+          <a:p>
+            <a:pPr marL="285750" indent="-285750">
+              <a:buFont typeface="Arial" panose="020B0604020202020204" pitchFamily="34" charset="0"/>
+              <a:buChar char="•"/>
+            </a:pPr>
+            <a:r>
+              <a:rPr lang="en-US" dirty="0"/>
+              <a:t>Open a database (</a:t>
             </a:r>
             <a:r>
               <a:rPr lang="en-US" dirty="0" err="1"/>
-              <a:t>Mariadb</a:t>
-            </a:r>
-            <a:r>
-              <a:rPr lang="en-US" dirty="0"/>
-              <a:t> + Cache</a:t>
-            </a:r>
-          </a:p>
-          <a:p>
-            <a:r>
-              <a:rPr lang="en-US" dirty="0"/>
-              <a:t>MS SQL Server + Cache</a:t>
-            </a:r>
-          </a:p>
-          <a:p>
-            <a:r>
-              <a:rPr lang="en-US" dirty="0"/>
-              <a:t>ODBC for Any Databases</a:t>
-            </a:r>
-          </a:p>
-          <a:p>
-            <a:r>
-              <a:rPr lang="en-US" i="1" dirty="0" err="1">
-                <a:solidFill>
-                  <a:srgbClr val="0000FF"/>
-                </a:solidFill>
-              </a:rPr>
-              <a:t>Postgresql</a:t>
-            </a:r>
-            <a:r>
-              <a:rPr lang="en-US" i="1" dirty="0">
-                <a:solidFill>
-                  <a:srgbClr val="0000FF"/>
-                </a:solidFill>
-              </a:rPr>
-              <a:t> + Cache in the Future</a:t>
-            </a:r>
-          </a:p>
-          <a:p>
-            <a:r>
-              <a:rPr lang="en-US" i="1" dirty="0">
-                <a:solidFill>
-                  <a:srgbClr val="0000FF"/>
-                </a:solidFill>
-              </a:rPr>
-              <a:t>DB2 + Cache in the Future</a:t>
-            </a:r>
-          </a:p>
-          <a:p>
-            <a:r>
-              <a:rPr lang="en-US" i="1" dirty="0">
-                <a:solidFill>
-                  <a:srgbClr val="0000FF"/>
-                </a:solidFill>
-              </a:rPr>
-              <a:t>Oracle + Cache in the Future</a:t>
+              <a:t>db.Open</a:t>
+            </a:r>
+            <a:r>
+              <a:rPr lang="en-US" dirty="0"/>
+              <a:t>)</a:t>
+            </a:r>
+          </a:p>
+          <a:p>
+            <a:pPr marL="285750" indent="-285750">
+              <a:buFont typeface="Arial" panose="020B0604020202020204" pitchFamily="34" charset="0"/>
+              <a:buChar char="•"/>
+            </a:pPr>
+            <a:r>
+              <a:rPr lang="en-US" dirty="0"/>
+              <a:t>Execute SQLs in streaming (</a:t>
+            </a:r>
+            <a:r>
+              <a:rPr lang="en-US" dirty="0" err="1"/>
+              <a:t>db.Execute</a:t>
+            </a:r>
+            <a:r>
+              <a:rPr lang="en-US" dirty="0"/>
+              <a:t>)</a:t>
+            </a:r>
+          </a:p>
+          <a:p>
+            <a:pPr marL="285750" indent="-285750">
+              <a:buFont typeface="Arial" panose="020B0604020202020204" pitchFamily="34" charset="0"/>
+              <a:buChar char="•"/>
+            </a:pPr>
+            <a:r>
+              <a:rPr lang="en-US" dirty="0"/>
+              <a:t>Prepare (</a:t>
+            </a:r>
+            <a:r>
+              <a:rPr lang="en-US" dirty="0" err="1"/>
+              <a:t>db.Prepare</a:t>
+            </a:r>
+            <a:r>
+              <a:rPr lang="en-US" dirty="0"/>
+              <a:t>)</a:t>
+            </a:r>
+          </a:p>
+          <a:p>
+            <a:pPr marL="285750" indent="-285750">
+              <a:buFont typeface="Arial" panose="020B0604020202020204" pitchFamily="34" charset="0"/>
+              <a:buChar char="•"/>
+            </a:pPr>
+            <a:r>
+              <a:rPr lang="en-US" dirty="0"/>
+              <a:t>Execute SQLs with multiple sets of parameters in streaming (</a:t>
+            </a:r>
+            <a:r>
+              <a:rPr lang="en-US" dirty="0" err="1"/>
+              <a:t>db.Execute</a:t>
+            </a:r>
+            <a:r>
+              <a:rPr lang="en-US" dirty="0"/>
+              <a:t>)</a:t>
+            </a:r>
+          </a:p>
+          <a:p>
+            <a:pPr marL="285750" indent="-285750">
+              <a:buFont typeface="Arial" panose="020B0604020202020204" pitchFamily="34" charset="0"/>
+              <a:buChar char="•"/>
+            </a:pPr>
+            <a:r>
+              <a:rPr lang="en-US" dirty="0"/>
+              <a:t>Large text and binary objects</a:t>
+            </a:r>
+          </a:p>
+          <a:p>
+            <a:pPr marL="285750" indent="-285750">
+              <a:buFont typeface="Arial" panose="020B0604020202020204" pitchFamily="34" charset="0"/>
+              <a:buChar char="•"/>
+            </a:pPr>
+            <a:r>
+              <a:rPr lang="en-US" dirty="0"/>
+              <a:t>Stored procedures with in, </a:t>
+            </a:r>
+            <a:r>
+              <a:rPr lang="en-US" dirty="0" err="1"/>
+              <a:t>inout</a:t>
+            </a:r>
+            <a:r>
+              <a:rPr lang="en-US" dirty="0"/>
+              <a:t> and out parameters</a:t>
+            </a:r>
+          </a:p>
+          <a:p>
+            <a:pPr marL="285750" indent="-285750">
+              <a:buFont typeface="Arial" panose="020B0604020202020204" pitchFamily="34" charset="0"/>
+              <a:buChar char="•"/>
+            </a:pPr>
+            <a:r>
+              <a:rPr lang="en-US" dirty="0"/>
+              <a:t>Execute all of them in batch and streaming (</a:t>
+            </a:r>
+            <a:r>
+              <a:rPr lang="en-US" dirty="0" err="1"/>
+              <a:t>db.ExecuteBatch</a:t>
+            </a:r>
+            <a:r>
+              <a:rPr lang="en-US" dirty="0"/>
+              <a:t>)</a:t>
+            </a:r>
+          </a:p>
+          <a:p>
+            <a:pPr marL="285750" indent="-285750">
+              <a:buFont typeface="Arial" panose="020B0604020202020204" pitchFamily="34" charset="0"/>
+              <a:buChar char="•"/>
+            </a:pPr>
+            <a:r>
+              <a:rPr lang="en-US" dirty="0"/>
+              <a:t>Demonstration of </a:t>
+            </a:r>
+            <a:r>
+              <a:rPr lang="en-US" dirty="0" err="1"/>
+              <a:t>async</a:t>
+            </a:r>
+            <a:r>
+              <a:rPr lang="en-US" dirty="0"/>
+              <a:t> and await for a few requests</a:t>
+            </a:r>
+          </a:p>
+          <a:p>
+            <a:pPr marL="285750" indent="-285750">
+              <a:buFont typeface="Arial" panose="020B0604020202020204" pitchFamily="34" charset="0"/>
+              <a:buChar char="•"/>
+            </a:pPr>
+            <a:r>
+              <a:rPr lang="en-US" dirty="0"/>
+              <a:t>One API for all relational database management systems</a:t>
             </a:r>
           </a:p>
         </p:txBody>
@@ -6393,7 +6661,7 @@
     </p:spTree>
     <p:extLst>
       <p:ext uri="{BB962C8B-B14F-4D97-AF65-F5344CB8AC3E}">
-        <p14:creationId xmlns:p14="http://schemas.microsoft.com/office/powerpoint/2010/main" val="3141169933"/>
+        <p14:creationId xmlns:p14="http://schemas.microsoft.com/office/powerpoint/2010/main" val="3975797359"/>
       </p:ext>
     </p:extLst>
   </p:cSld>
@@ -6422,10 +6690,10 @@
       </p:grpSpPr>
       <p:sp>
         <p:nvSpPr>
-          <p:cNvPr id="2" name="Title 1">
+          <p:cNvPr id="4" name="Title 1">
             <a:extLst>
               <a:ext uri="{FF2B5EF4-FFF2-40B4-BE49-F238E27FC236}">
-                <a16:creationId xmlns:a16="http://schemas.microsoft.com/office/drawing/2014/main" id="{37CD694A-3D6D-4C4A-935E-3CC2B32157A9}"/>
+                <a16:creationId xmlns:a16="http://schemas.microsoft.com/office/drawing/2014/main" id="{242C54FF-1E59-44CE-BA2A-ED3F0E45BC5C}"/>
               </a:ext>
             </a:extLst>
           </p:cNvPr>
@@ -6448,10 +6716,143 @@
           </a:p>
         </p:txBody>
       </p:sp>
+      <p:sp>
+        <p:nvSpPr>
+          <p:cNvPr id="5" name="Rectangle 4">
+            <a:extLst>
+              <a:ext uri="{FF2B5EF4-FFF2-40B4-BE49-F238E27FC236}">
+                <a16:creationId xmlns:a16="http://schemas.microsoft.com/office/drawing/2014/main" id="{39359183-D407-4E54-937F-779738317790}"/>
+              </a:ext>
+            </a:extLst>
+          </p:cNvPr>
+          <p:cNvSpPr/>
+          <p:nvPr/>
+        </p:nvSpPr>
+        <p:spPr>
+          <a:xfrm>
+            <a:off x="2057400" y="1447800"/>
+            <a:ext cx="4724400" cy="369332"/>
+          </a:xfrm>
+          <a:prstGeom prst="rect">
+            <a:avLst/>
+          </a:prstGeom>
+        </p:spPr>
+        <p:txBody>
+          <a:bodyPr wrap="square">
+            <a:spAutoFit/>
+          </a:bodyPr>
+          <a:lstStyle/>
+          <a:p>
+            <a:pPr algn="ctr"/>
+            <a:r>
+              <a:rPr lang="en-US" dirty="0" err="1"/>
+              <a:t>Perf_study</a:t>
+            </a:r>
+            <a:r>
+              <a:rPr lang="en-US" dirty="0"/>
+              <a:t>/nja_perf.js and native_mysql.js</a:t>
+            </a:r>
+          </a:p>
+        </p:txBody>
+      </p:sp>
+      <p:sp>
+        <p:nvSpPr>
+          <p:cNvPr id="6" name="TextBox 5">
+            <a:extLst>
+              <a:ext uri="{FF2B5EF4-FFF2-40B4-BE49-F238E27FC236}">
+                <a16:creationId xmlns:a16="http://schemas.microsoft.com/office/drawing/2014/main" id="{E84897C8-458B-476B-9F92-6E5F76375864}"/>
+              </a:ext>
+            </a:extLst>
+          </p:cNvPr>
+          <p:cNvSpPr txBox="1"/>
+          <p:nvPr/>
+        </p:nvSpPr>
+        <p:spPr>
+          <a:xfrm>
+            <a:off x="1447800" y="3216533"/>
+            <a:ext cx="6001771" cy="1569660"/>
+          </a:xfrm>
+          <a:prstGeom prst="rect">
+            <a:avLst/>
+          </a:prstGeom>
+          <a:noFill/>
+        </p:spPr>
+        <p:txBody>
+          <a:bodyPr wrap="none" rtlCol="0">
+            <a:spAutoFit/>
+          </a:bodyPr>
+          <a:lstStyle/>
+          <a:p>
+            <a:pPr marL="342900" indent="-342900">
+              <a:buFont typeface="+mj-lt"/>
+              <a:buAutoNum type="arabicPeriod"/>
+            </a:pPr>
+            <a:r>
+              <a:rPr lang="en-US" sz="3200" dirty="0"/>
+              <a:t>WAN: 100 to 1000 times</a:t>
+            </a:r>
+          </a:p>
+          <a:p>
+            <a:pPr marL="342900" indent="-342900">
+              <a:buFont typeface="+mj-lt"/>
+              <a:buAutoNum type="arabicPeriod"/>
+            </a:pPr>
+            <a:r>
+              <a:rPr lang="en-US" sz="3200" dirty="0"/>
+              <a:t>LAN: 150% improvements</a:t>
+            </a:r>
+          </a:p>
+          <a:p>
+            <a:pPr marL="342900" indent="-342900">
+              <a:buFont typeface="+mj-lt"/>
+              <a:buAutoNum type="arabicPeriod"/>
+            </a:pPr>
+            <a:r>
+              <a:rPr lang="en-US" sz="3200" dirty="0"/>
+              <a:t>Cross-app in same machine: 30%</a:t>
+            </a:r>
+          </a:p>
+        </p:txBody>
+      </p:sp>
+      <p:sp>
+        <p:nvSpPr>
+          <p:cNvPr id="7" name="TextBox 6">
+            <a:extLst>
+              <a:ext uri="{FF2B5EF4-FFF2-40B4-BE49-F238E27FC236}">
+                <a16:creationId xmlns:a16="http://schemas.microsoft.com/office/drawing/2014/main" id="{93E010BA-BF9A-40CE-B8C8-5AB62845B6C8}"/>
+              </a:ext>
+            </a:extLst>
+          </p:cNvPr>
+          <p:cNvSpPr txBox="1"/>
+          <p:nvPr/>
+        </p:nvSpPr>
+        <p:spPr>
+          <a:xfrm>
+            <a:off x="1447800" y="2133600"/>
+            <a:ext cx="6096000" cy="707886"/>
+          </a:xfrm>
+          <a:prstGeom prst="rect">
+            <a:avLst/>
+          </a:prstGeom>
+          <a:noFill/>
+        </p:spPr>
+        <p:txBody>
+          <a:bodyPr wrap="square" rtlCol="0">
+            <a:spAutoFit/>
+          </a:bodyPr>
+          <a:lstStyle/>
+          <a:p>
+            <a:r>
+              <a:rPr lang="en-US" sz="4000" dirty="0"/>
+              <a:t>Performance study results:</a:t>
+            </a:r>
+          </a:p>
+        </p:txBody>
+      </p:sp>
     </p:spTree>
     <p:extLst>
       <p:ext uri="{BB962C8B-B14F-4D97-AF65-F5344CB8AC3E}">
-        <p14:creationId xmlns:p14="http://schemas.microsoft.com/office/powerpoint/2010/main" val="3975797359"/>
+        <p14:creationId xmlns:p14="http://schemas.microsoft.com/office/powerpoint/2010/main" val="3039455862"/>
       </p:ext>
     </p:extLst>
   </p:cSld>
@@ -6502,6 +6903,214 @@
             <a:r>
               <a:rPr lang="en-US" dirty="0"/>
               <a:t>Demo For Master/Slave + Cache</a:t>
+            </a:r>
+          </a:p>
+        </p:txBody>
+      </p:sp>
+      <p:sp>
+        <p:nvSpPr>
+          <p:cNvPr id="3" name="Rectangle 2">
+            <a:extLst>
+              <a:ext uri="{FF2B5EF4-FFF2-40B4-BE49-F238E27FC236}">
+                <a16:creationId xmlns:a16="http://schemas.microsoft.com/office/drawing/2014/main" id="{7008453F-D460-4C03-B231-986357BECE4B}"/>
+              </a:ext>
+            </a:extLst>
+          </p:cNvPr>
+          <p:cNvSpPr/>
+          <p:nvPr/>
+        </p:nvSpPr>
+        <p:spPr>
+          <a:xfrm>
+            <a:off x="3623465" y="1447800"/>
+            <a:ext cx="1633845" cy="369332"/>
+          </a:xfrm>
+          <a:prstGeom prst="rect">
+            <a:avLst/>
+          </a:prstGeom>
+        </p:spPr>
+        <p:txBody>
+          <a:bodyPr wrap="none">
+            <a:spAutoFit/>
+          </a:bodyPr>
+          <a:lstStyle/>
+          <a:p>
+            <a:pPr algn="ctr"/>
+            <a:r>
+              <a:rPr lang="en-US" dirty="0"/>
+              <a:t>Master_slave.js</a:t>
+            </a:r>
+          </a:p>
+        </p:txBody>
+      </p:sp>
+      <p:sp>
+        <p:nvSpPr>
+          <p:cNvPr id="4" name="TextBox 3">
+            <a:extLst>
+              <a:ext uri="{FF2B5EF4-FFF2-40B4-BE49-F238E27FC236}">
+                <a16:creationId xmlns:a16="http://schemas.microsoft.com/office/drawing/2014/main" id="{CD0B4BBE-88F9-40FB-897E-7B8509BFFB8F}"/>
+              </a:ext>
+            </a:extLst>
+          </p:cNvPr>
+          <p:cNvSpPr txBox="1"/>
+          <p:nvPr/>
+        </p:nvSpPr>
+        <p:spPr>
+          <a:xfrm>
+            <a:off x="381000" y="2667000"/>
+            <a:ext cx="8278548" cy="2308324"/>
+          </a:xfrm>
+          <a:prstGeom prst="rect">
+            <a:avLst/>
+          </a:prstGeom>
+          <a:noFill/>
+        </p:spPr>
+        <p:txBody>
+          <a:bodyPr wrap="none" rtlCol="0">
+            <a:spAutoFit/>
+          </a:bodyPr>
+          <a:lstStyle/>
+          <a:p>
+            <a:pPr marL="285750" indent="-285750">
+              <a:buFont typeface="Arial" panose="020B0604020202020204" pitchFamily="34" charset="0"/>
+              <a:buChar char="•"/>
+            </a:pPr>
+            <a:r>
+              <a:rPr lang="en-US" dirty="0"/>
+              <a:t>Create a master socket pool (</a:t>
+            </a:r>
+            <a:r>
+              <a:rPr lang="en-US" dirty="0" err="1"/>
+              <a:t>cs.newPool</a:t>
+            </a:r>
+            <a:r>
+              <a:rPr lang="en-US" dirty="0"/>
+              <a:t>(</a:t>
+            </a:r>
+            <a:r>
+              <a:rPr lang="en-US" dirty="0" err="1"/>
+              <a:t>SPA.SID.sidMysql</a:t>
+            </a:r>
+            <a:r>
+              <a:rPr lang="en-US" dirty="0"/>
+              <a:t>, '</a:t>
+            </a:r>
+            <a:r>
+              <a:rPr lang="en-US" dirty="0" err="1"/>
+              <a:t>mysqldb</a:t>
+            </a:r>
+            <a:r>
+              <a:rPr lang="en-US" dirty="0"/>
+              <a:t>’))</a:t>
+            </a:r>
+          </a:p>
+          <a:p>
+            <a:pPr marL="285750" indent="-285750">
+              <a:buFont typeface="Arial" panose="020B0604020202020204" pitchFamily="34" charset="0"/>
+              <a:buChar char="•"/>
+            </a:pPr>
+            <a:r>
+              <a:rPr lang="en-US" dirty="0"/>
+              <a:t>Access real-time updateable cache (</a:t>
+            </a:r>
+            <a:r>
+              <a:rPr lang="en-US" dirty="0" err="1"/>
+              <a:t>var</a:t>
+            </a:r>
+            <a:r>
+              <a:rPr lang="en-US" dirty="0"/>
+              <a:t> cache = </a:t>
+            </a:r>
+            <a:r>
+              <a:rPr lang="en-US" dirty="0" err="1"/>
+              <a:t>master.Cache</a:t>
+            </a:r>
+            <a:r>
+              <a:rPr lang="en-US" dirty="0"/>
+              <a:t>)</a:t>
+            </a:r>
+          </a:p>
+          <a:p>
+            <a:pPr marL="285750" indent="-285750">
+              <a:buFont typeface="Arial" panose="020B0604020202020204" pitchFamily="34" charset="0"/>
+              <a:buChar char="•"/>
+            </a:pPr>
+            <a:r>
+              <a:rPr lang="en-US" dirty="0"/>
+              <a:t>Execute writing SQL statements in streaming against one or more master databases</a:t>
+            </a:r>
+          </a:p>
+          <a:p>
+            <a:pPr marL="285750" indent="-285750">
+              <a:buFont typeface="Arial" panose="020B0604020202020204" pitchFamily="34" charset="0"/>
+              <a:buChar char="•"/>
+            </a:pPr>
+            <a:r>
+              <a:rPr lang="en-US" dirty="0"/>
+              <a:t>Find and access a table in cache</a:t>
+            </a:r>
+          </a:p>
+          <a:p>
+            <a:pPr marL="285750" indent="-285750">
+              <a:buFont typeface="Arial" panose="020B0604020202020204" pitchFamily="34" charset="0"/>
+              <a:buChar char="•"/>
+            </a:pPr>
+            <a:r>
+              <a:rPr lang="en-US" dirty="0"/>
+              <a:t>Common operations for a table in cache (Between, In, </a:t>
+            </a:r>
+            <a:r>
+              <a:rPr lang="en-US" dirty="0" err="1"/>
+              <a:t>NotIn</a:t>
+            </a:r>
+            <a:r>
+              <a:rPr lang="en-US" dirty="0"/>
+              <a:t>, Sort, EQ, LT, ……)</a:t>
+            </a:r>
+          </a:p>
+          <a:p>
+            <a:pPr marL="285750" indent="-285750">
+              <a:buFont typeface="Arial" panose="020B0604020202020204" pitchFamily="34" charset="0"/>
+              <a:buChar char="•"/>
+            </a:pPr>
+            <a:r>
+              <a:rPr lang="en-US" dirty="0"/>
+              <a:t>Create a slave socket pool object (</a:t>
+            </a:r>
+            <a:r>
+              <a:rPr lang="en-US" dirty="0" err="1"/>
+              <a:t>var</a:t>
+            </a:r>
+            <a:r>
+              <a:rPr lang="en-US" dirty="0"/>
+              <a:t> slave = </a:t>
+            </a:r>
+            <a:r>
+              <a:rPr lang="en-US" dirty="0" err="1"/>
+              <a:t>master.NewSlave</a:t>
+            </a:r>
+            <a:r>
+              <a:rPr lang="en-US" dirty="0"/>
+              <a:t>())</a:t>
+            </a:r>
+          </a:p>
+          <a:p>
+            <a:pPr marL="285750" indent="-285750">
+              <a:buFont typeface="Arial" panose="020B0604020202020204" pitchFamily="34" charset="0"/>
+              <a:buChar char="•"/>
+            </a:pPr>
+            <a:r>
+              <a:rPr lang="en-US" dirty="0"/>
+              <a:t>Start a slave socket pool</a:t>
+            </a:r>
+          </a:p>
+          <a:p>
+            <a:pPr marL="285750" indent="-285750">
+              <a:buFont typeface="Arial" panose="020B0604020202020204" pitchFamily="34" charset="0"/>
+              <a:buChar char="•"/>
+            </a:pPr>
+            <a:r>
+              <a:rPr lang="en-US" dirty="0"/>
+              <a:t>Execute queries (reading) in streaming against a set of slave databases</a:t>
             </a:r>
           </a:p>
         </p:txBody>
@@ -6564,6 +7173,164 @@
           </a:p>
         </p:txBody>
       </p:sp>
+      <p:sp>
+        <p:nvSpPr>
+          <p:cNvPr id="3" name="Rectangle 2">
+            <a:extLst>
+              <a:ext uri="{FF2B5EF4-FFF2-40B4-BE49-F238E27FC236}">
+                <a16:creationId xmlns:a16="http://schemas.microsoft.com/office/drawing/2014/main" id="{9C448346-B39F-4944-9884-FCA506733E2E}"/>
+              </a:ext>
+            </a:extLst>
+          </p:cNvPr>
+          <p:cNvSpPr/>
+          <p:nvPr/>
+        </p:nvSpPr>
+        <p:spPr>
+          <a:xfrm>
+            <a:off x="3505200" y="1447800"/>
+            <a:ext cx="1526252" cy="369332"/>
+          </a:xfrm>
+          <a:prstGeom prst="rect">
+            <a:avLst/>
+          </a:prstGeom>
+        </p:spPr>
+        <p:txBody>
+          <a:bodyPr wrap="none">
+            <a:spAutoFit/>
+          </a:bodyPr>
+          <a:lstStyle/>
+          <a:p>
+            <a:pPr algn="ctr"/>
+            <a:r>
+              <a:rPr lang="en-US" dirty="0"/>
+              <a:t>Remote_file.js</a:t>
+            </a:r>
+          </a:p>
+        </p:txBody>
+      </p:sp>
+      <p:sp>
+        <p:nvSpPr>
+          <p:cNvPr id="4" name="TextBox 3">
+            <a:extLst>
+              <a:ext uri="{FF2B5EF4-FFF2-40B4-BE49-F238E27FC236}">
+                <a16:creationId xmlns:a16="http://schemas.microsoft.com/office/drawing/2014/main" id="{D993C04E-EF18-4992-95E1-26E33A4560AC}"/>
+              </a:ext>
+            </a:extLst>
+          </p:cNvPr>
+          <p:cNvSpPr txBox="1"/>
+          <p:nvPr/>
+        </p:nvSpPr>
+        <p:spPr>
+          <a:xfrm>
+            <a:off x="685800" y="2514600"/>
+            <a:ext cx="7363875" cy="2031325"/>
+          </a:xfrm>
+          <a:prstGeom prst="rect">
+            <a:avLst/>
+          </a:prstGeom>
+          <a:noFill/>
+        </p:spPr>
+        <p:txBody>
+          <a:bodyPr wrap="none" rtlCol="0">
+            <a:spAutoFit/>
+          </a:bodyPr>
+          <a:lstStyle/>
+          <a:p>
+            <a:pPr marL="285750" indent="-285750">
+              <a:buFont typeface="Arial" panose="020B0604020202020204" pitchFamily="34" charset="0"/>
+              <a:buChar char="•"/>
+            </a:pPr>
+            <a:r>
+              <a:rPr lang="en-US" dirty="0"/>
+              <a:t>File plugin (free)</a:t>
+            </a:r>
+          </a:p>
+          <a:p>
+            <a:pPr marL="285750" indent="-285750">
+              <a:buFont typeface="Arial" panose="020B0604020202020204" pitchFamily="34" charset="0"/>
+              <a:buChar char="•"/>
+            </a:pPr>
+            <a:r>
+              <a:rPr lang="en-US" dirty="0"/>
+              <a:t>File download (</a:t>
+            </a:r>
+            <a:r>
+              <a:rPr lang="en-US" dirty="0" err="1"/>
+              <a:t>file.Download</a:t>
+            </a:r>
+            <a:r>
+              <a:rPr lang="en-US" dirty="0"/>
+              <a:t>)</a:t>
+            </a:r>
+          </a:p>
+          <a:p>
+            <a:pPr marL="285750" indent="-285750">
+              <a:buFont typeface="Arial" panose="020B0604020202020204" pitchFamily="34" charset="0"/>
+              <a:buChar char="•"/>
+            </a:pPr>
+            <a:r>
+              <a:rPr lang="en-US" dirty="0"/>
+              <a:t>File upload (</a:t>
+            </a:r>
+            <a:r>
+              <a:rPr lang="en-US" dirty="0" err="1"/>
+              <a:t>file.Upload</a:t>
+            </a:r>
+            <a:r>
+              <a:rPr lang="en-US" dirty="0"/>
+              <a:t>)</a:t>
+            </a:r>
+          </a:p>
+          <a:p>
+            <a:pPr marL="285750" indent="-285750">
+              <a:buFont typeface="Arial" panose="020B0604020202020204" pitchFamily="34" charset="0"/>
+              <a:buChar char="•"/>
+            </a:pPr>
+            <a:r>
+              <a:rPr lang="en-US" dirty="0"/>
+              <a:t>Downloading and uploading many files in file streaming</a:t>
+            </a:r>
+          </a:p>
+          <a:p>
+            <a:pPr marL="285750" indent="-285750">
+              <a:buFont typeface="Arial" panose="020B0604020202020204" pitchFamily="34" charset="0"/>
+              <a:buChar char="•"/>
+            </a:pPr>
+            <a:r>
+              <a:rPr lang="en-US" dirty="0"/>
+              <a:t>Demonstration of </a:t>
+            </a:r>
+            <a:r>
+              <a:rPr lang="en-US" dirty="0" err="1"/>
+              <a:t>async</a:t>
+            </a:r>
+            <a:r>
+              <a:rPr lang="en-US" dirty="0"/>
+              <a:t> and await for echoing a file</a:t>
+            </a:r>
+          </a:p>
+          <a:p>
+            <a:pPr marL="285750" indent="-285750">
+              <a:buFont typeface="Arial" panose="020B0604020202020204" pitchFamily="34" charset="0"/>
+              <a:buChar char="•"/>
+            </a:pPr>
+            <a:r>
+              <a:rPr lang="en-US" dirty="0"/>
+              <a:t>File downloading and uploading streaming vs traditional binary streaming</a:t>
+            </a:r>
+          </a:p>
+          <a:p>
+            <a:pPr marL="285750" indent="-285750">
+              <a:buFont typeface="Arial" panose="020B0604020202020204" pitchFamily="34" charset="0"/>
+              <a:buChar char="•"/>
+            </a:pPr>
+            <a:r>
+              <a:rPr lang="en-US" dirty="0"/>
+              <a:t>Great performance improvements for high volume of small or tiny files</a:t>
+            </a:r>
+          </a:p>
+        </p:txBody>
+      </p:sp>
     </p:spTree>
     <p:extLst>
       <p:ext uri="{BB962C8B-B14F-4D97-AF65-F5344CB8AC3E}">
@@ -6599,7 +7366,7 @@
           <p:cNvPr id="2" name="Title 1">
             <a:extLst>
               <a:ext uri="{FF2B5EF4-FFF2-40B4-BE49-F238E27FC236}">
-                <a16:creationId xmlns:a16="http://schemas.microsoft.com/office/drawing/2014/main" id="{C30B2905-958E-479D-BE46-B31726F1FB60}"/>
+                <a16:creationId xmlns:a16="http://schemas.microsoft.com/office/drawing/2014/main" id="{FF4BEC7D-5815-4D10-9338-90C42CAC62C6}"/>
               </a:ext>
             </a:extLst>
           </p:cNvPr>
@@ -6613,21 +7380,181 @@
         <p:spPr/>
         <p:txBody>
           <a:bodyPr>
-            <a:normAutofit fontScale="90000"/>
+            <a:normAutofit/>
           </a:bodyPr>
           <a:lstStyle/>
           <a:p>
             <a:r>
-              <a:rPr lang="en-US" dirty="0"/>
-              <a:t>Analysis of (nja.js + </a:t>
-            </a:r>
+              <a:rPr lang="en-US" sz="3600" dirty="0"/>
+              <a:t>Master/Slave + Cache + Requests Backup</a:t>
+            </a:r>
+          </a:p>
+        </p:txBody>
+      </p:sp>
+      <p:sp>
+        <p:nvSpPr>
+          <p:cNvPr id="4" name="Rectangle 3">
+            <a:extLst>
+              <a:ext uri="{FF2B5EF4-FFF2-40B4-BE49-F238E27FC236}">
+                <a16:creationId xmlns:a16="http://schemas.microsoft.com/office/drawing/2014/main" id="{FE547EE3-F90D-447A-85F5-78E8D94BAADE}"/>
+              </a:ext>
+            </a:extLst>
+          </p:cNvPr>
+          <p:cNvSpPr/>
+          <p:nvPr/>
+        </p:nvSpPr>
+        <p:spPr>
+          <a:xfrm>
+            <a:off x="2884553" y="1447800"/>
+            <a:ext cx="2767552" cy="369332"/>
+          </a:xfrm>
+          <a:prstGeom prst="rect">
+            <a:avLst/>
+          </a:prstGeom>
+        </p:spPr>
+        <p:txBody>
+          <a:bodyPr wrap="none">
+            <a:spAutoFit/>
+          </a:bodyPr>
+          <a:lstStyle/>
+          <a:p>
+            <a:pPr algn="ctr"/>
             <a:r>
               <a:rPr lang="en-US" dirty="0" err="1"/>
-              <a:t>njadapter.node</a:t>
+              <a:t>webms</a:t>
+            </a:r>
+            <a:r>
+              <a:rPr lang="en-US" dirty="0"/>
+              <a:t>/webpool.js &amp; exp.js</a:t>
+            </a:r>
+          </a:p>
+        </p:txBody>
+      </p:sp>
+      <p:sp>
+        <p:nvSpPr>
+          <p:cNvPr id="5" name="TextBox 4">
+            <a:extLst>
+              <a:ext uri="{FF2B5EF4-FFF2-40B4-BE49-F238E27FC236}">
+                <a16:creationId xmlns:a16="http://schemas.microsoft.com/office/drawing/2014/main" id="{F815C7FC-5C44-4B72-8444-E63D61D4017F}"/>
+              </a:ext>
+            </a:extLst>
+          </p:cNvPr>
+          <p:cNvSpPr txBox="1"/>
+          <p:nvPr/>
+        </p:nvSpPr>
+        <p:spPr>
+          <a:xfrm>
+            <a:off x="838200" y="2590800"/>
+            <a:ext cx="7467600" cy="2308324"/>
+          </a:xfrm>
+          <a:prstGeom prst="rect">
+            <a:avLst/>
+          </a:prstGeom>
+          <a:noFill/>
+        </p:spPr>
+        <p:txBody>
+          <a:bodyPr wrap="square" rtlCol="0">
+            <a:spAutoFit/>
+          </a:bodyPr>
+          <a:lstStyle/>
+          <a:p>
+            <a:pPr marL="285750" indent="-285750">
+              <a:buFont typeface="Arial" panose="020B0604020202020204" pitchFamily="34" charset="0"/>
+              <a:buChar char="•"/>
+            </a:pPr>
+            <a:r>
+              <a:rPr lang="en-US" dirty="0"/>
+              <a:t>Auto reconnecting</a:t>
+            </a:r>
+          </a:p>
+          <a:p>
+            <a:pPr marL="285750" indent="-285750">
+              <a:buFont typeface="Arial" panose="020B0604020202020204" pitchFamily="34" charset="0"/>
+              <a:buChar char="•"/>
+            </a:pPr>
+            <a:r>
+              <a:rPr lang="en-US" dirty="0"/>
+              <a:t>Turn on requests backup for all queries (reading) against slave databases (</a:t>
+            </a:r>
+            <a:r>
+              <a:rPr lang="en-US" dirty="0" err="1"/>
+              <a:t>slave.QueueName</a:t>
+            </a:r>
+            <a:r>
+              <a:rPr lang="en-US" dirty="0"/>
+              <a:t> = </a:t>
+            </a:r>
+            <a:r>
+              <a:rPr lang="en-US" dirty="0" err="1"/>
+              <a:t>config.slave.queueName</a:t>
             </a:r>
             <a:r>
               <a:rPr lang="en-US" dirty="0"/>
               <a:t>)</a:t>
+            </a:r>
+          </a:p>
+          <a:p>
+            <a:pPr marL="285750" indent="-285750">
+              <a:buFont typeface="Arial" panose="020B0604020202020204" pitchFamily="34" charset="0"/>
+              <a:buChar char="•"/>
+            </a:pPr>
+            <a:r>
+              <a:rPr lang="en-US" dirty="0"/>
+              <a:t>Enable auto merge (</a:t>
+            </a:r>
+            <a:r>
+              <a:rPr lang="en-US" dirty="0" err="1"/>
+              <a:t>slave.AutoMerge</a:t>
+            </a:r>
+            <a:r>
+              <a:rPr lang="en-US" dirty="0"/>
+              <a:t> = (</a:t>
+            </a:r>
+            <a:r>
+              <a:rPr lang="en-US" dirty="0" err="1"/>
+              <a:t>config.slave.hosts.length</a:t>
+            </a:r>
+            <a:r>
+              <a:rPr lang="en-US" dirty="0"/>
+              <a:t> &gt; 1))</a:t>
+            </a:r>
+          </a:p>
+          <a:p>
+            <a:pPr marL="285750" indent="-285750">
+              <a:buFont typeface="Arial" panose="020B0604020202020204" pitchFamily="34" charset="0"/>
+              <a:buChar char="•"/>
+            </a:pPr>
+            <a:r>
+              <a:rPr lang="en-US" dirty="0"/>
+              <a:t>Best availability (maintenance, slave machines down, network down, </a:t>
+            </a:r>
+            <a:r>
+              <a:rPr lang="en-US" dirty="0" err="1"/>
+              <a:t>etc</a:t>
+            </a:r>
+            <a:r>
+              <a:rPr lang="en-US" dirty="0"/>
+              <a:t>)</a:t>
+            </a:r>
+          </a:p>
+          <a:p>
+            <a:pPr marL="285750" indent="-285750">
+              <a:buFont typeface="Arial" panose="020B0604020202020204" pitchFamily="34" charset="0"/>
+              <a:buChar char="•"/>
+            </a:pPr>
+            <a:r>
+              <a:rPr lang="en-US" dirty="0"/>
+              <a:t>No error handling required for reading queries against slave databases</a:t>
+            </a:r>
+          </a:p>
+          <a:p>
+            <a:pPr marL="285750" indent="-285750">
+              <a:buFont typeface="Arial" panose="020B0604020202020204" pitchFamily="34" charset="0"/>
+              <a:buChar char="•"/>
+            </a:pPr>
+            <a:r>
+              <a:rPr lang="en-US" dirty="0"/>
+              <a:t>Error handling required for writing SQLs against a master database (session closed)</a:t>
             </a:r>
           </a:p>
         </p:txBody>
@@ -6635,7 +7562,7 @@
     </p:spTree>
     <p:extLst>
       <p:ext uri="{BB962C8B-B14F-4D97-AF65-F5344CB8AC3E}">
-        <p14:creationId xmlns:p14="http://schemas.microsoft.com/office/powerpoint/2010/main" val="739759201"/>
+        <p14:creationId xmlns:p14="http://schemas.microsoft.com/office/powerpoint/2010/main" val="1342456298"/>
       </p:ext>
     </p:extLst>
   </p:cSld>
@@ -6664,7 +7591,13 @@
       </p:grpSpPr>
       <p:sp>
         <p:nvSpPr>
-          <p:cNvPr id="2" name="Title 1"/>
+          <p:cNvPr id="2" name="Title 1">
+            <a:extLst>
+              <a:ext uri="{FF2B5EF4-FFF2-40B4-BE49-F238E27FC236}">
+                <a16:creationId xmlns:a16="http://schemas.microsoft.com/office/drawing/2014/main" id="{C30B2905-958E-479D-BE46-B31726F1FB60}"/>
+              </a:ext>
+            </a:extLst>
+          </p:cNvPr>
           <p:cNvSpPr>
             <a:spLocks noGrp="1"/>
           </p:cNvSpPr>
@@ -6672,26 +7605,376 @@
             <p:ph type="title"/>
           </p:nvPr>
         </p:nvSpPr>
+        <p:spPr/>
+        <p:txBody>
+          <a:bodyPr>
+            <a:normAutofit fontScale="90000"/>
+          </a:bodyPr>
+          <a:lstStyle/>
+          <a:p>
+            <a:r>
+              <a:rPr lang="en-US" dirty="0"/>
+              <a:t>Analysis of (nja.js + </a:t>
+            </a:r>
+            <a:r>
+              <a:rPr lang="en-US" dirty="0" err="1"/>
+              <a:t>njadapter.node</a:t>
+            </a:r>
+            <a:r>
+              <a:rPr lang="en-US" dirty="0"/>
+              <a:t>)</a:t>
+            </a:r>
+          </a:p>
+        </p:txBody>
+      </p:sp>
+      <p:sp>
+        <p:nvSpPr>
+          <p:cNvPr id="3" name="TextBox 2">
+            <a:extLst>
+              <a:ext uri="{FF2B5EF4-FFF2-40B4-BE49-F238E27FC236}">
+                <a16:creationId xmlns:a16="http://schemas.microsoft.com/office/drawing/2014/main" id="{9D0DAF63-5B2A-43F6-B66E-CB6546D24005}"/>
+              </a:ext>
+            </a:extLst>
+          </p:cNvPr>
+          <p:cNvSpPr txBox="1"/>
+          <p:nvPr/>
+        </p:nvSpPr>
         <p:spPr>
           <a:xfrm>
-            <a:off x="1447800" y="2667000"/>
-            <a:ext cx="6172200" cy="1143000"/>
+            <a:off x="457200" y="1676400"/>
+            <a:ext cx="8229600" cy="1938992"/>
           </a:xfrm>
+          <a:prstGeom prst="rect">
+            <a:avLst/>
+          </a:prstGeom>
+          <a:noFill/>
         </p:spPr>
         <p:txBody>
-          <a:bodyPr>
-            <a:noAutofit/>
+          <a:bodyPr wrap="square" rtlCol="0">
+            <a:spAutoFit/>
           </a:bodyPr>
           <a:lstStyle/>
           <a:p>
-            <a:r>
-              <a:rPr lang="en-US" sz="8000" b="1" dirty="0"/>
-              <a:t>Questions ?</a:t>
+            <a:pPr algn="ctr"/>
+            <a:r>
+              <a:rPr lang="en-US" sz="2400" dirty="0">
+                <a:solidFill>
+                  <a:schemeClr val="accent1">
+                    <a:lumMod val="75000"/>
+                  </a:schemeClr>
+                </a:solidFill>
+              </a:rPr>
+              <a:t>(</a:t>
+            </a:r>
+            <a:r>
+              <a:rPr lang="en-US" sz="2400" b="1" dirty="0">
+                <a:solidFill>
+                  <a:srgbClr val="0000FF"/>
+                </a:solidFill>
+              </a:rPr>
+              <a:t>Your </a:t>
+            </a:r>
+            <a:r>
+              <a:rPr lang="en-US" sz="2400" b="1" dirty="0" err="1">
+                <a:solidFill>
+                  <a:srgbClr val="0000FF"/>
+                </a:solidFill>
+              </a:rPr>
+              <a:t>js</a:t>
+            </a:r>
+            <a:r>
+              <a:rPr lang="en-US" sz="2400" b="1" dirty="0">
+                <a:solidFill>
+                  <a:srgbClr val="0000FF"/>
+                </a:solidFill>
+              </a:rPr>
+              <a:t> codes</a:t>
+            </a:r>
+            <a:r>
+              <a:rPr lang="en-US" sz="2400" dirty="0">
+                <a:solidFill>
+                  <a:schemeClr val="accent1">
+                    <a:lumMod val="75000"/>
+                  </a:schemeClr>
+                </a:solidFill>
+              </a:rPr>
+              <a:t>) </a:t>
+            </a:r>
+            <a:r>
+              <a:rPr lang="en-US" sz="2400" dirty="0">
+                <a:solidFill>
+                  <a:schemeClr val="accent1">
+                    <a:lumMod val="75000"/>
+                  </a:schemeClr>
+                </a:solidFill>
+                <a:sym typeface="Wingdings" panose="05000000000000000000" pitchFamily="2" charset="2"/>
+              </a:rPr>
+              <a:t> (nja.js + </a:t>
+            </a:r>
+            <a:r>
+              <a:rPr lang="en-US" sz="2400" dirty="0" err="1">
+                <a:solidFill>
+                  <a:schemeClr val="accent1">
+                    <a:lumMod val="75000"/>
+                  </a:schemeClr>
+                </a:solidFill>
+                <a:sym typeface="Wingdings" panose="05000000000000000000" pitchFamily="2" charset="2"/>
+              </a:rPr>
+              <a:t>njadapter.node</a:t>
+            </a:r>
+            <a:r>
+              <a:rPr lang="en-US" sz="2400" dirty="0">
+                <a:solidFill>
+                  <a:schemeClr val="accent1">
+                    <a:lumMod val="75000"/>
+                  </a:schemeClr>
+                </a:solidFill>
+                <a:sym typeface="Wingdings" panose="05000000000000000000" pitchFamily="2" charset="2"/>
+              </a:rPr>
+              <a:t>)  (</a:t>
+            </a:r>
+            <a:r>
+              <a:rPr lang="en-US" sz="2400" dirty="0" err="1">
+                <a:solidFill>
+                  <a:schemeClr val="accent1">
+                    <a:lumMod val="75000"/>
+                  </a:schemeClr>
+                </a:solidFill>
+                <a:sym typeface="Wingdings" panose="05000000000000000000" pitchFamily="2" charset="2"/>
+              </a:rPr>
+              <a:t>usocket</a:t>
+            </a:r>
+            <a:r>
+              <a:rPr lang="en-US" sz="2400" dirty="0">
+                <a:solidFill>
+                  <a:schemeClr val="accent1">
+                    <a:lumMod val="75000"/>
+                  </a:schemeClr>
+                </a:solidFill>
+                <a:sym typeface="Wingdings" panose="05000000000000000000" pitchFamily="2" charset="2"/>
+              </a:rPr>
+              <a:t>)</a:t>
+            </a:r>
+            <a:r>
+              <a:rPr lang="en-US" sz="2400" dirty="0">
+                <a:sym typeface="Wingdings" panose="05000000000000000000" pitchFamily="2" charset="2"/>
+              </a:rPr>
+              <a:t> </a:t>
+            </a:r>
+          </a:p>
+          <a:p>
+            <a:pPr algn="ctr"/>
+            <a:r>
+              <a:rPr lang="en-US" sz="3600" b="1" i="1" dirty="0">
+                <a:sym typeface="Wingdings" panose="05000000000000000000" pitchFamily="2" charset="2"/>
+              </a:rPr>
+              <a:t>  Request streaming, asynchrony, secured communication in parallel  </a:t>
+            </a:r>
+          </a:p>
+          <a:p>
+            <a:pPr algn="ctr"/>
+            <a:r>
+              <a:rPr lang="en-US" sz="2400" dirty="0">
+                <a:solidFill>
+                  <a:schemeClr val="accent6">
+                    <a:lumMod val="50000"/>
+                  </a:schemeClr>
+                </a:solidFill>
+                <a:sym typeface="Wingdings" panose="05000000000000000000" pitchFamily="2" charset="2"/>
+              </a:rPr>
+              <a:t>(</a:t>
+            </a:r>
+            <a:r>
+              <a:rPr lang="en-US" sz="2400" dirty="0" err="1">
+                <a:solidFill>
+                  <a:schemeClr val="accent6">
+                    <a:lumMod val="50000"/>
+                  </a:schemeClr>
+                </a:solidFill>
+                <a:sym typeface="Wingdings" panose="05000000000000000000" pitchFamily="2" charset="2"/>
+              </a:rPr>
+              <a:t>uservercore</a:t>
+            </a:r>
+            <a:r>
+              <a:rPr lang="en-US" sz="2400" dirty="0">
+                <a:solidFill>
+                  <a:schemeClr val="accent6">
+                    <a:lumMod val="50000"/>
+                  </a:schemeClr>
+                </a:solidFill>
+                <a:sym typeface="Wingdings" panose="05000000000000000000" pitchFamily="2" charset="2"/>
+              </a:rPr>
+              <a:t>)  (</a:t>
+            </a:r>
+            <a:r>
+              <a:rPr lang="en-US" sz="2400" dirty="0">
+                <a:solidFill>
+                  <a:srgbClr val="0000FF"/>
+                </a:solidFill>
+                <a:sym typeface="Wingdings" panose="05000000000000000000" pitchFamily="2" charset="2"/>
+              </a:rPr>
+              <a:t>Your {C/C++|.</a:t>
+            </a:r>
+            <a:r>
+              <a:rPr lang="en-US" sz="2400" dirty="0" err="1">
+                <a:solidFill>
+                  <a:srgbClr val="0000FF"/>
+                </a:solidFill>
+                <a:sym typeface="Wingdings" panose="05000000000000000000" pitchFamily="2" charset="2"/>
+              </a:rPr>
+              <a:t>NET|Java|Python</a:t>
+            </a:r>
+            <a:r>
+              <a:rPr lang="en-US" sz="2400" dirty="0">
+                <a:solidFill>
+                  <a:srgbClr val="0000FF"/>
+                </a:solidFill>
+                <a:sym typeface="Wingdings" panose="05000000000000000000" pitchFamily="2" charset="2"/>
+              </a:rPr>
+              <a:t>} codes</a:t>
+            </a:r>
+            <a:r>
+              <a:rPr lang="en-US" sz="2400" dirty="0">
+                <a:solidFill>
+                  <a:schemeClr val="accent6">
+                    <a:lumMod val="50000"/>
+                  </a:schemeClr>
+                </a:solidFill>
+                <a:sym typeface="Wingdings" panose="05000000000000000000" pitchFamily="2" charset="2"/>
+              </a:rPr>
+              <a:t>)</a:t>
+            </a:r>
+            <a:endParaRPr lang="en-US" sz="2400" dirty="0">
+              <a:solidFill>
+                <a:schemeClr val="accent6">
+                  <a:lumMod val="50000"/>
+                </a:schemeClr>
+              </a:solidFill>
+            </a:endParaRPr>
+          </a:p>
+        </p:txBody>
+      </p:sp>
+      <p:sp>
+        <p:nvSpPr>
+          <p:cNvPr id="4" name="TextBox 3">
+            <a:extLst>
+              <a:ext uri="{FF2B5EF4-FFF2-40B4-BE49-F238E27FC236}">
+                <a16:creationId xmlns:a16="http://schemas.microsoft.com/office/drawing/2014/main" id="{5190E91D-26A3-49D0-A60A-35BA3E3A12F8}"/>
+              </a:ext>
+            </a:extLst>
+          </p:cNvPr>
+          <p:cNvSpPr txBox="1"/>
+          <p:nvPr/>
+        </p:nvSpPr>
+        <p:spPr>
+          <a:xfrm>
+            <a:off x="2667000" y="3912275"/>
+            <a:ext cx="3577198" cy="2031325"/>
+          </a:xfrm>
+          <a:prstGeom prst="rect">
+            <a:avLst/>
+          </a:prstGeom>
+          <a:noFill/>
+        </p:spPr>
+        <p:txBody>
+          <a:bodyPr wrap="none" rtlCol="0">
+            <a:spAutoFit/>
+          </a:bodyPr>
+          <a:lstStyle/>
+          <a:p>
+            <a:r>
+              <a:rPr lang="en-US" dirty="0">
+                <a:solidFill>
+                  <a:srgbClr val="0000FF"/>
+                </a:solidFill>
+              </a:rPr>
+              <a:t>Platforms supported:</a:t>
+            </a:r>
+          </a:p>
+          <a:p>
+            <a:pPr marL="285750" indent="-285750">
+              <a:buFont typeface="Arial" panose="020B0604020202020204" pitchFamily="34" charset="0"/>
+              <a:buChar char="•"/>
+            </a:pPr>
+            <a:r>
+              <a:rPr lang="en-US" dirty="0">
+                <a:solidFill>
+                  <a:srgbClr val="0000FF"/>
+                </a:solidFill>
+              </a:rPr>
+              <a:t>Windows</a:t>
+            </a:r>
+          </a:p>
+          <a:p>
+            <a:pPr marL="285750" indent="-285750">
+              <a:buFont typeface="Arial" panose="020B0604020202020204" pitchFamily="34" charset="0"/>
+              <a:buChar char="•"/>
+            </a:pPr>
+            <a:r>
+              <a:rPr lang="en-US" dirty="0">
+                <a:solidFill>
+                  <a:srgbClr val="0000FF"/>
+                </a:solidFill>
+              </a:rPr>
+              <a:t>Linux variants</a:t>
+            </a:r>
+          </a:p>
+          <a:p>
+            <a:pPr marL="285750" indent="-285750">
+              <a:buFont typeface="Arial" panose="020B0604020202020204" pitchFamily="34" charset="0"/>
+              <a:buChar char="•"/>
+            </a:pPr>
+            <a:r>
+              <a:rPr lang="en-US" dirty="0">
+                <a:solidFill>
+                  <a:srgbClr val="0000FF"/>
+                </a:solidFill>
+              </a:rPr>
+              <a:t>Window mobile device platforms</a:t>
+            </a:r>
+          </a:p>
+          <a:p>
+            <a:pPr marL="285750" indent="-285750">
+              <a:buFont typeface="Arial" panose="020B0604020202020204" pitchFamily="34" charset="0"/>
+              <a:buChar char="•"/>
+            </a:pPr>
+            <a:r>
+              <a:rPr lang="en-US" dirty="0"/>
+              <a:t>Android ?</a:t>
+            </a:r>
+          </a:p>
+          <a:p>
+            <a:pPr marL="285750" indent="-285750">
+              <a:buFont typeface="Arial" panose="020B0604020202020204" pitchFamily="34" charset="0"/>
+              <a:buChar char="•"/>
+            </a:pPr>
+            <a:r>
+              <a:rPr lang="en-US" dirty="0"/>
+              <a:t>Mac ?</a:t>
+            </a:r>
+          </a:p>
+          <a:p>
+            <a:pPr marL="285750" indent="-285750">
+              <a:buFont typeface="Arial" panose="020B0604020202020204" pitchFamily="34" charset="0"/>
+              <a:buChar char="•"/>
+            </a:pPr>
+            <a:r>
+              <a:rPr lang="en-US" dirty="0" err="1"/>
+              <a:t>Iphone</a:t>
+            </a:r>
+            <a:r>
+              <a:rPr lang="en-US" dirty="0"/>
+              <a:t> ?</a:t>
             </a:r>
           </a:p>
         </p:txBody>
       </p:sp>
     </p:spTree>
+    <p:extLst>
+      <p:ext uri="{BB962C8B-B14F-4D97-AF65-F5344CB8AC3E}">
+        <p14:creationId xmlns:p14="http://schemas.microsoft.com/office/powerpoint/2010/main" val="739759201"/>
+      </p:ext>
+    </p:extLst>
   </p:cSld>
   <p:clrMapOvr>
     <a:masterClrMapping/>
@@ -6699,7 +7982,7 @@
 </p:sld>
 </file>
 
-<file path=ppt/slides/slide3.xml><?xml version="1.0" encoding="utf-8"?>
+<file path=ppt/slides/slide29.xml><?xml version="1.0" encoding="utf-8"?>
 <p:sld xmlns:a="http://schemas.openxmlformats.org/drawingml/2006/main" xmlns:r="http://schemas.openxmlformats.org/officeDocument/2006/relationships" xmlns:p="http://schemas.openxmlformats.org/presentationml/2006/main">
   <p:cSld>
     <p:spTree>
@@ -6718,13 +8001,7 @@
       </p:grpSpPr>
       <p:sp>
         <p:nvSpPr>
-          <p:cNvPr id="2" name="Title 1">
-            <a:extLst>
-              <a:ext uri="{FF2B5EF4-FFF2-40B4-BE49-F238E27FC236}">
-                <a16:creationId xmlns:a16="http://schemas.microsoft.com/office/drawing/2014/main" id="{A4472B37-453E-47CC-99D5-B00BC5BF0D5B}"/>
-              </a:ext>
-            </a:extLst>
-          </p:cNvPr>
+          <p:cNvPr id="2" name="Title 1"/>
           <p:cNvSpPr>
             <a:spLocks noGrp="1"/>
           </p:cNvSpPr>
@@ -6734,152 +8011,75 @@
         </p:nvSpPr>
         <p:spPr>
           <a:xfrm>
-            <a:off x="457200" y="274638"/>
-            <a:ext cx="8229600" cy="868362"/>
+            <a:off x="1447800" y="2667000"/>
+            <a:ext cx="6172200" cy="1143000"/>
           </a:xfrm>
         </p:spPr>
         <p:txBody>
-          <a:bodyPr/>
+          <a:bodyPr>
+            <a:noAutofit/>
+          </a:bodyPr>
           <a:lstStyle/>
           <a:p>
             <a:r>
-              <a:rPr lang="en-US" dirty="0"/>
-              <a:t>Contents</a:t>
-            </a:r>
-          </a:p>
-        </p:txBody>
-      </p:sp>
-      <p:sp>
-        <p:nvSpPr>
-          <p:cNvPr id="3" name="Content Placeholder 2">
+              <a:rPr lang="en-US" sz="8000" b="1" dirty="0"/>
+              <a:t>Questions ?</a:t>
+            </a:r>
+          </a:p>
+        </p:txBody>
+      </p:sp>
+      <p:sp>
+        <p:nvSpPr>
+          <p:cNvPr id="3" name="Title 1">
             <a:extLst>
               <a:ext uri="{FF2B5EF4-FFF2-40B4-BE49-F238E27FC236}">
-                <a16:creationId xmlns:a16="http://schemas.microsoft.com/office/drawing/2014/main" id="{D67E0C64-D722-476C-B432-4C0B57A0A51A}"/>
+                <a16:creationId xmlns:a16="http://schemas.microsoft.com/office/drawing/2014/main" id="{10578979-F91F-4AB4-9DB2-979BD257EE5D}"/>
               </a:ext>
             </a:extLst>
           </p:cNvPr>
-          <p:cNvSpPr>
-            <a:spLocks noGrp="1"/>
+          <p:cNvSpPr txBox="1">
+            <a:spLocks/>
           </p:cNvSpPr>
-          <p:nvPr>
-            <p:ph idx="1"/>
-          </p:nvPr>
+          <p:nvPr/>
         </p:nvSpPr>
         <p:spPr>
           <a:xfrm>
-            <a:off x="533400" y="1295400"/>
-            <a:ext cx="8153400" cy="4953000"/>
+            <a:off x="457200" y="274638"/>
+            <a:ext cx="8229600" cy="1143000"/>
           </a:xfrm>
+          <a:prstGeom prst="rect">
+            <a:avLst/>
+          </a:prstGeom>
         </p:spPr>
         <p:txBody>
-          <a:bodyPr>
-            <a:normAutofit fontScale="92500" lnSpcReduction="20000"/>
+          <a:bodyPr vert="horz" lIns="91440" tIns="45720" rIns="91440" bIns="45720" rtlCol="0" anchor="ctr">
+            <a:normAutofit fontScale="97500"/>
           </a:bodyPr>
-          <a:lstStyle/>
-          <a:p>
-            <a:r>
-              <a:rPr lang="en-US" dirty="0"/>
-              <a:t>Request Streaming Communication Pattern</a:t>
-            </a:r>
-          </a:p>
-          <a:p>
-            <a:r>
-              <a:rPr lang="en-US" dirty="0" err="1"/>
-              <a:t>SocketPro</a:t>
-            </a:r>
-            <a:r>
-              <a:rPr lang="en-US" dirty="0"/>
-              <a:t> Architecture and Components</a:t>
-            </a:r>
-          </a:p>
-          <a:p>
-            <a:r>
-              <a:rPr lang="en-US" dirty="0" err="1"/>
-              <a:t>SocketPro</a:t>
-            </a:r>
-            <a:r>
-              <a:rPr lang="en-US" dirty="0"/>
-              <a:t> Key Features</a:t>
-            </a:r>
-          </a:p>
-          <a:p>
-            <a:r>
-              <a:rPr lang="en-US" dirty="0"/>
-              <a:t>Node.js Demos</a:t>
-            </a:r>
-          </a:p>
-          <a:p>
-            <a:pPr lvl="1"/>
-            <a:r>
-              <a:rPr lang="en-US" dirty="0"/>
-              <a:t>Client/server</a:t>
-            </a:r>
-          </a:p>
-          <a:p>
-            <a:pPr lvl="1"/>
-            <a:r>
-              <a:rPr lang="en-US" dirty="0"/>
-              <a:t>Publish/subscribe</a:t>
-            </a:r>
-          </a:p>
-          <a:p>
-            <a:pPr lvl="1"/>
-            <a:r>
-              <a:rPr lang="en-US" dirty="0"/>
-              <a:t>Persistent message queue</a:t>
-            </a:r>
-          </a:p>
-          <a:p>
-            <a:pPr lvl="1"/>
-            <a:r>
-              <a:rPr lang="en-US" dirty="0"/>
-              <a:t>SQL-streaming</a:t>
-            </a:r>
-          </a:p>
-          <a:p>
-            <a:pPr lvl="1"/>
-            <a:r>
-              <a:rPr lang="en-US" dirty="0"/>
-              <a:t>Master-slave with real-time updateable cache</a:t>
-            </a:r>
-          </a:p>
-          <a:p>
-            <a:pPr lvl="1"/>
-            <a:r>
-              <a:rPr lang="en-US" dirty="0"/>
-              <a:t>File streaming</a:t>
-            </a:r>
-          </a:p>
-          <a:p>
-            <a:r>
-              <a:rPr lang="en-US" dirty="0"/>
-              <a:t>Analysis on nja.js + </a:t>
-            </a:r>
-            <a:r>
-              <a:rPr lang="en-US" dirty="0" err="1"/>
-              <a:t>njadapter.node</a:t>
-            </a:r>
-            <a:endParaRPr lang="en-US" dirty="0"/>
-          </a:p>
-          <a:p>
-            <a:pPr lvl="1"/>
-            <a:endParaRPr lang="en-US" dirty="0"/>
-          </a:p>
-          <a:p>
-            <a:pPr lvl="1"/>
-            <a:endParaRPr lang="en-US" dirty="0"/>
-          </a:p>
-          <a:p>
-            <a:endParaRPr lang="en-US" dirty="0"/>
+          <a:lstStyle>
+            <a:lvl1pPr algn="ctr" defTabSz="914400" rtl="0" eaLnBrk="1" latinLnBrk="0" hangingPunct="1">
+              <a:spcBef>
+                <a:spcPct val="0"/>
+              </a:spcBef>
+              <a:buNone/>
+              <a:defRPr sz="4400" kern="1200">
+                <a:solidFill>
+                  <a:schemeClr val="tx1"/>
+                </a:solidFill>
+                <a:latin typeface="+mj-lt"/>
+                <a:ea typeface="+mj-ea"/>
+                <a:cs typeface="+mj-cs"/>
+              </a:defRPr>
+            </a:lvl1pPr>
+          </a:lstStyle>
+          <a:p>
+            <a:r>
+              <a:rPr lang="en-US" b="1" dirty="0"/>
+              <a:t>Thank you very much!</a:t>
+            </a:r>
           </a:p>
         </p:txBody>
       </p:sp>
     </p:spTree>
-    <p:extLst>
-      <p:ext uri="{BB962C8B-B14F-4D97-AF65-F5344CB8AC3E}">
-        <p14:creationId xmlns:p14="http://schemas.microsoft.com/office/powerpoint/2010/main" val="1668077575"/>
-      </p:ext>
-    </p:extLst>
   </p:cSld>
   <p:clrMapOvr>
     <a:masterClrMapping/>
@@ -6887,7 +8087,7 @@
 </p:sld>
 </file>
 
-<file path=ppt/slides/slide4.xml><?xml version="1.0" encoding="utf-8"?>
+<file path=ppt/slides/slide3.xml><?xml version="1.0" encoding="utf-8"?>
 <p:sld xmlns:a="http://schemas.openxmlformats.org/drawingml/2006/main" xmlns:r="http://schemas.openxmlformats.org/officeDocument/2006/relationships" xmlns:p="http://schemas.openxmlformats.org/presentationml/2006/main">
   <p:cSld>
     <p:spTree>
@@ -6973,7 +8173,7 @@
 </p:sld>
 </file>
 
-<file path=ppt/slides/slide5.xml><?xml version="1.0" encoding="utf-8"?>
+<file path=ppt/slides/slide4.xml><?xml version="1.0" encoding="utf-8"?>
 <p:sld xmlns:a="http://schemas.openxmlformats.org/drawingml/2006/main" xmlns:r="http://schemas.openxmlformats.org/officeDocument/2006/relationships" xmlns:p="http://schemas.openxmlformats.org/presentationml/2006/main">
   <p:cSld>
     <p:spTree>
@@ -8595,7 +9795,7 @@
 </p:sld>
 </file>
 
-<file path=ppt/slides/slide6.xml><?xml version="1.0" encoding="utf-8"?>
+<file path=ppt/slides/slide5.xml><?xml version="1.0" encoding="utf-8"?>
 <p:sld xmlns:a="http://schemas.openxmlformats.org/drawingml/2006/main" xmlns:r="http://schemas.openxmlformats.org/officeDocument/2006/relationships" xmlns:p="http://schemas.openxmlformats.org/presentationml/2006/main">
   <p:cSld>
     <p:spTree>
@@ -8726,7 +9926,7 @@
 </p:sld>
 </file>
 
-<file path=ppt/slides/slide7.xml><?xml version="1.0" encoding="utf-8"?>
+<file path=ppt/slides/slide6.xml><?xml version="1.0" encoding="utf-8"?>
 <p:sld xmlns:a="http://schemas.openxmlformats.org/drawingml/2006/main" xmlns:r="http://schemas.openxmlformats.org/officeDocument/2006/relationships" xmlns:p="http://schemas.openxmlformats.org/presentationml/2006/main">
   <p:cSld>
     <p:spTree>
@@ -8953,7 +10153,7 @@
 </p:sld>
 </file>
 
-<file path=ppt/slides/slide8.xml><?xml version="1.0" encoding="utf-8"?>
+<file path=ppt/slides/slide7.xml><?xml version="1.0" encoding="utf-8"?>
 <p:sld xmlns:a="http://schemas.openxmlformats.org/drawingml/2006/main" xmlns:r="http://schemas.openxmlformats.org/officeDocument/2006/relationships" xmlns:p="http://schemas.openxmlformats.org/presentationml/2006/main">
   <p:cSld>
     <p:spTree>
@@ -9056,7 +10256,7 @@
 </p:sld>
 </file>
 
-<file path=ppt/slides/slide9.xml><?xml version="1.0" encoding="utf-8"?>
+<file path=ppt/slides/slide8.xml><?xml version="1.0" encoding="utf-8"?>
 <p:sld xmlns:a="http://schemas.openxmlformats.org/drawingml/2006/main" xmlns:r="http://schemas.openxmlformats.org/officeDocument/2006/relationships" xmlns:p="http://schemas.openxmlformats.org/presentationml/2006/main">
   <p:cSld>
     <p:spTree>
@@ -9160,6 +10360,377 @@
   <p:clrMapOvr>
     <a:masterClrMapping/>
   </p:clrMapOvr>
+</p:sld>
+</file>
+
+<file path=ppt/slides/slide9.xml><?xml version="1.0" encoding="utf-8"?>
+<p:sld xmlns:a="http://schemas.openxmlformats.org/drawingml/2006/main" xmlns:r="http://schemas.openxmlformats.org/officeDocument/2006/relationships" xmlns:p="http://schemas.openxmlformats.org/presentationml/2006/main">
+  <p:cSld>
+    <p:spTree>
+      <p:nvGrpSpPr>
+        <p:cNvPr id="1" name=""/>
+        <p:cNvGrpSpPr/>
+        <p:nvPr/>
+      </p:nvGrpSpPr>
+      <p:grpSpPr>
+        <a:xfrm>
+          <a:off x="0" y="0"/>
+          <a:ext cx="0" cy="0"/>
+          <a:chOff x="0" y="0"/>
+          <a:chExt cx="0" cy="0"/>
+        </a:xfrm>
+      </p:grpSpPr>
+      <p:sp>
+        <p:nvSpPr>
+          <p:cNvPr id="13314" name="Rectangle 1"/>
+          <p:cNvSpPr>
+            <a:spLocks noGrp="1" noChangeArrowheads="1"/>
+          </p:cNvSpPr>
+          <p:nvPr>
+            <p:ph type="title"/>
+          </p:nvPr>
+        </p:nvSpPr>
+        <p:spPr>
+          <a:xfrm>
+            <a:off x="457200" y="371475"/>
+            <a:ext cx="8229600" cy="1312863"/>
+          </a:xfrm>
+        </p:spPr>
+        <p:txBody>
+          <a:bodyPr/>
+          <a:lstStyle/>
+          <a:p>
+            <a:pPr eaLnBrk="1" hangingPunct="1">
+              <a:buClrTx/>
+              <a:buFontTx/>
+              <a:buNone/>
+              <a:tabLst>
+                <a:tab pos="0" algn="l"/>
+                <a:tab pos="914400" algn="l"/>
+                <a:tab pos="1828800" algn="l"/>
+                <a:tab pos="2743200" algn="l"/>
+                <a:tab pos="3657600" algn="l"/>
+                <a:tab pos="4572000" algn="l"/>
+                <a:tab pos="5486400" algn="l"/>
+                <a:tab pos="6400800" algn="l"/>
+                <a:tab pos="7315200" algn="l"/>
+                <a:tab pos="8229600" algn="l"/>
+                <a:tab pos="9144000" algn="l"/>
+                <a:tab pos="10058400" algn="l"/>
+              </a:tabLst>
+            </a:pPr>
+            <a:r>
+              <a:rPr lang="en-US" sz="4000" b="1" dirty="0" err="1"/>
+              <a:t>SocketPro</a:t>
+            </a:r>
+            <a:r>
+              <a:rPr lang="en-US" sz="4000" b="1" dirty="0"/>
+              <a:t> Adapters for More Developers</a:t>
+            </a:r>
+          </a:p>
+        </p:txBody>
+      </p:sp>
+      <p:sp>
+        <p:nvSpPr>
+          <p:cNvPr id="13315" name="Rectangle 2"/>
+          <p:cNvSpPr>
+            <a:spLocks noGrp="1" noChangeArrowheads="1"/>
+          </p:cNvSpPr>
+          <p:nvPr>
+            <p:ph type="body" idx="1"/>
+          </p:nvPr>
+        </p:nvSpPr>
+        <p:spPr>
+          <a:xfrm>
+            <a:off x="1143000" y="1881051"/>
+            <a:ext cx="7086600" cy="3681549"/>
+          </a:xfrm>
+        </p:spPr>
+        <p:txBody>
+          <a:bodyPr>
+            <a:normAutofit/>
+          </a:bodyPr>
+          <a:lstStyle/>
+          <a:p>
+            <a:pPr marL="341313" indent="-341313" eaLnBrk="1" hangingPunct="1">
+              <a:spcBef>
+                <a:spcPts val="600"/>
+              </a:spcBef>
+              <a:buClr>
+                <a:srgbClr val="000099"/>
+              </a:buClr>
+              <a:buFont typeface="Arial" charset="0"/>
+              <a:buChar char="•"/>
+              <a:tabLst>
+                <a:tab pos="911225" algn="l"/>
+                <a:tab pos="1825625" algn="l"/>
+                <a:tab pos="2740025" algn="l"/>
+                <a:tab pos="3654425" algn="l"/>
+                <a:tab pos="4568825" algn="l"/>
+                <a:tab pos="5483225" algn="l"/>
+                <a:tab pos="6397625" algn="l"/>
+                <a:tab pos="7312025" algn="l"/>
+                <a:tab pos="8226425" algn="l"/>
+                <a:tab pos="9140825" algn="l"/>
+                <a:tab pos="10055225" algn="l"/>
+              </a:tabLst>
+            </a:pPr>
+            <a:r>
+              <a:rPr lang="en-US" sz="2800" dirty="0">
+                <a:solidFill>
+                  <a:srgbClr val="000099"/>
+                </a:solidFill>
+              </a:rPr>
+              <a:t>C++ adapters – a few header and </a:t>
+            </a:r>
+            <a:r>
+              <a:rPr lang="en-US" sz="2800" dirty="0" err="1">
+                <a:solidFill>
+                  <a:srgbClr val="000099"/>
+                </a:solidFill>
+              </a:rPr>
+              <a:t>cpp</a:t>
+            </a:r>
+            <a:r>
+              <a:rPr lang="en-US" sz="2800" dirty="0">
+                <a:solidFill>
+                  <a:srgbClr val="000099"/>
+                </a:solidFill>
+              </a:rPr>
+              <a:t> files</a:t>
+            </a:r>
+          </a:p>
+          <a:p>
+            <a:pPr marL="341313" indent="-341313" eaLnBrk="1" hangingPunct="1">
+              <a:spcBef>
+                <a:spcPts val="600"/>
+              </a:spcBef>
+              <a:buClr>
+                <a:srgbClr val="000099"/>
+              </a:buClr>
+              <a:buFont typeface="Arial" charset="0"/>
+              <a:buChar char="•"/>
+              <a:tabLst>
+                <a:tab pos="911225" algn="l"/>
+                <a:tab pos="1825625" algn="l"/>
+                <a:tab pos="2740025" algn="l"/>
+                <a:tab pos="3654425" algn="l"/>
+                <a:tab pos="4568825" algn="l"/>
+                <a:tab pos="5483225" algn="l"/>
+                <a:tab pos="6397625" algn="l"/>
+                <a:tab pos="7312025" algn="l"/>
+                <a:tab pos="8226425" algn="l"/>
+                <a:tab pos="9140825" algn="l"/>
+                <a:tab pos="10055225" algn="l"/>
+              </a:tabLst>
+            </a:pPr>
+            <a:r>
+              <a:rPr lang="en-US" sz="2800" dirty="0">
+                <a:solidFill>
+                  <a:srgbClr val="000099"/>
+                </a:solidFill>
+              </a:rPr>
+              <a:t>One .NET adapter</a:t>
+            </a:r>
+          </a:p>
+          <a:p>
+            <a:pPr marL="341313" indent="-341313" eaLnBrk="1" hangingPunct="1">
+              <a:spcBef>
+                <a:spcPts val="600"/>
+              </a:spcBef>
+              <a:buClr>
+                <a:srgbClr val="000099"/>
+              </a:buClr>
+              <a:buFont typeface="Arial" charset="0"/>
+              <a:buChar char="•"/>
+              <a:tabLst>
+                <a:tab pos="911225" algn="l"/>
+                <a:tab pos="1825625" algn="l"/>
+                <a:tab pos="2740025" algn="l"/>
+                <a:tab pos="3654425" algn="l"/>
+                <a:tab pos="4568825" algn="l"/>
+                <a:tab pos="5483225" algn="l"/>
+                <a:tab pos="6397625" algn="l"/>
+                <a:tab pos="7312025" algn="l"/>
+                <a:tab pos="8226425" algn="l"/>
+                <a:tab pos="9140825" algn="l"/>
+                <a:tab pos="10055225" algn="l"/>
+              </a:tabLst>
+            </a:pPr>
+            <a:r>
+              <a:rPr lang="en-US" sz="2800" dirty="0">
+                <a:solidFill>
+                  <a:srgbClr val="000099"/>
+                </a:solidFill>
+              </a:rPr>
+              <a:t>Java adapter</a:t>
+            </a:r>
+          </a:p>
+          <a:p>
+            <a:pPr marL="341313" indent="-341313" eaLnBrk="1" hangingPunct="1">
+              <a:spcBef>
+                <a:spcPts val="600"/>
+              </a:spcBef>
+              <a:buClr>
+                <a:srgbClr val="000099"/>
+              </a:buClr>
+              <a:buFont typeface="Arial" charset="0"/>
+              <a:buChar char="•"/>
+              <a:tabLst>
+                <a:tab pos="911225" algn="l"/>
+                <a:tab pos="1825625" algn="l"/>
+                <a:tab pos="2740025" algn="l"/>
+                <a:tab pos="3654425" algn="l"/>
+                <a:tab pos="4568825" algn="l"/>
+                <a:tab pos="5483225" algn="l"/>
+                <a:tab pos="6397625" algn="l"/>
+                <a:tab pos="7312025" algn="l"/>
+                <a:tab pos="8226425" algn="l"/>
+                <a:tab pos="9140825" algn="l"/>
+                <a:tab pos="10055225" algn="l"/>
+              </a:tabLst>
+            </a:pPr>
+            <a:r>
+              <a:rPr lang="en-US" sz="2800" dirty="0">
+                <a:solidFill>
+                  <a:srgbClr val="000099"/>
+                </a:solidFill>
+              </a:rPr>
+              <a:t>Python adapter</a:t>
+            </a:r>
+          </a:p>
+          <a:p>
+            <a:pPr marL="341313" indent="-341313">
+              <a:spcBef>
+                <a:spcPts val="600"/>
+              </a:spcBef>
+              <a:buClr>
+                <a:srgbClr val="000099"/>
+              </a:buClr>
+              <a:buFont typeface="Arial" charset="0"/>
+              <a:buChar char="•"/>
+              <a:tabLst>
+                <a:tab pos="911225" algn="l"/>
+                <a:tab pos="1825625" algn="l"/>
+                <a:tab pos="2740025" algn="l"/>
+                <a:tab pos="3654425" algn="l"/>
+                <a:tab pos="4568825" algn="l"/>
+                <a:tab pos="5483225" algn="l"/>
+                <a:tab pos="6397625" algn="l"/>
+                <a:tab pos="7312025" algn="l"/>
+                <a:tab pos="8226425" algn="l"/>
+                <a:tab pos="9140825" algn="l"/>
+                <a:tab pos="10055225" algn="l"/>
+              </a:tabLst>
+            </a:pPr>
+            <a:r>
+              <a:rPr lang="en-US" sz="2800" dirty="0">
+                <a:solidFill>
+                  <a:srgbClr val="0000FF"/>
+                </a:solidFill>
+              </a:rPr>
+              <a:t>Node.js adapter</a:t>
+            </a:r>
+          </a:p>
+          <a:p>
+            <a:pPr marL="341313" indent="-341313" eaLnBrk="1" hangingPunct="1">
+              <a:spcBef>
+                <a:spcPts val="600"/>
+              </a:spcBef>
+              <a:buClr>
+                <a:srgbClr val="000099"/>
+              </a:buClr>
+              <a:buFont typeface="Arial" charset="0"/>
+              <a:buChar char="•"/>
+              <a:tabLst>
+                <a:tab pos="911225" algn="l"/>
+                <a:tab pos="1825625" algn="l"/>
+                <a:tab pos="2740025" algn="l"/>
+                <a:tab pos="3654425" algn="l"/>
+                <a:tab pos="4568825" algn="l"/>
+                <a:tab pos="5483225" algn="l"/>
+                <a:tab pos="6397625" algn="l"/>
+                <a:tab pos="7312025" algn="l"/>
+                <a:tab pos="8226425" algn="l"/>
+                <a:tab pos="9140825" algn="l"/>
+                <a:tab pos="10055225" algn="l"/>
+              </a:tabLst>
+            </a:pPr>
+            <a:r>
+              <a:rPr lang="en-US" sz="2800" dirty="0">
+                <a:solidFill>
+                  <a:srgbClr val="000099"/>
+                </a:solidFill>
+              </a:rPr>
+              <a:t>One JavaScript adapter for browsers</a:t>
+            </a:r>
+            <a:endParaRPr lang="en-US" sz="2800" dirty="0">
+              <a:solidFill>
+                <a:schemeClr val="accent2"/>
+              </a:solidFill>
+            </a:endParaRPr>
+          </a:p>
+          <a:p>
+            <a:pPr marL="341313" indent="-341313" eaLnBrk="1" hangingPunct="1">
+              <a:spcBef>
+                <a:spcPts val="600"/>
+              </a:spcBef>
+              <a:buFont typeface="Arial" charset="0"/>
+              <a:buChar char="•"/>
+              <a:tabLst>
+                <a:tab pos="911225" algn="l"/>
+                <a:tab pos="1825625" algn="l"/>
+                <a:tab pos="2740025" algn="l"/>
+                <a:tab pos="3654425" algn="l"/>
+                <a:tab pos="4568825" algn="l"/>
+                <a:tab pos="5483225" algn="l"/>
+                <a:tab pos="6397625" algn="l"/>
+                <a:tab pos="7312025" algn="l"/>
+                <a:tab pos="8226425" algn="l"/>
+                <a:tab pos="9140825" algn="l"/>
+                <a:tab pos="10055225" algn="l"/>
+              </a:tabLst>
+            </a:pPr>
+            <a:r>
+              <a:rPr lang="en-US" sz="2800" dirty="0"/>
+              <a:t>PHP adapter in the future</a:t>
+            </a:r>
+          </a:p>
+        </p:txBody>
+      </p:sp>
+    </p:spTree>
+  </p:cSld>
+  <p:clrMapOvr>
+    <a:masterClrMapping/>
+  </p:clrMapOvr>
+  <p:transition spd="med"/>
+  <p:timing>
+    <p:tnLst>
+      <p:par>
+        <p:cTn id="1" dur="indefinite" restart="never" nodeType="tmRoot">
+          <p:childTnLst>
+            <p:seq concurrent="1" nextAc="seek">
+              <p:cTn id="2" dur="0" nodeType="mainSeq"/>
+              <p:prevCondLst>
+                <p:cond evt="onPrev" delay="0">
+                  <p:tgtEl>
+                    <p:sldTgt/>
+                  </p:tgtEl>
+                </p:cond>
+              </p:prevCondLst>
+              <p:nextCondLst>
+                <p:cond evt="onNext" delay="0">
+                  <p:tgtEl>
+                    <p:sldTgt/>
+                  </p:tgtEl>
+                </p:cond>
+              </p:nextCondLst>
+            </p:seq>
+          </p:childTnLst>
+        </p:cTn>
+      </p:par>
+    </p:tnLst>
+  </p:timing>
 </p:sld>
 </file>
 
